--- a/data/piloting/piloting_kloten/overview_kloten.pptx
+++ b/data/piloting/piloting_kloten/overview_kloten.pptx
@@ -203,7 +203,7 @@
           <a:p>
             <a:fld id="{5F78C8DE-95F4-4CCE-8818-E6D3DDC2046D}" type="datetimeFigureOut">
               <a:rPr lang="de-CH" smtClean="0"/>
-              <a:t>24.06.2019</a:t>
+              <a:t>04.07.2019</a:t>
             </a:fld>
             <a:endParaRPr lang="de-CH"/>
           </a:p>
@@ -686,7 +686,7 @@
           <a:p>
             <a:fld id="{91852DE1-179E-4D15-943F-B5AC425B8136}" type="datetimeFigureOut">
               <a:rPr lang="de-CH" smtClean="0"/>
-              <a:t>24.06.2019</a:t>
+              <a:t>04.07.2019</a:t>
             </a:fld>
             <a:endParaRPr lang="de-CH"/>
           </a:p>
@@ -856,7 +856,7 @@
           <a:p>
             <a:fld id="{91852DE1-179E-4D15-943F-B5AC425B8136}" type="datetimeFigureOut">
               <a:rPr lang="de-CH" smtClean="0"/>
-              <a:t>24.06.2019</a:t>
+              <a:t>04.07.2019</a:t>
             </a:fld>
             <a:endParaRPr lang="de-CH"/>
           </a:p>
@@ -1036,7 +1036,7 @@
           <a:p>
             <a:fld id="{91852DE1-179E-4D15-943F-B5AC425B8136}" type="datetimeFigureOut">
               <a:rPr lang="de-CH" smtClean="0"/>
-              <a:t>24.06.2019</a:t>
+              <a:t>04.07.2019</a:t>
             </a:fld>
             <a:endParaRPr lang="de-CH"/>
           </a:p>
@@ -1206,7 +1206,7 @@
           <a:p>
             <a:fld id="{91852DE1-179E-4D15-943F-B5AC425B8136}" type="datetimeFigureOut">
               <a:rPr lang="de-CH" smtClean="0"/>
-              <a:t>24.06.2019</a:t>
+              <a:t>04.07.2019</a:t>
             </a:fld>
             <a:endParaRPr lang="de-CH"/>
           </a:p>
@@ -1452,7 +1452,7 @@
           <a:p>
             <a:fld id="{91852DE1-179E-4D15-943F-B5AC425B8136}" type="datetimeFigureOut">
               <a:rPr lang="de-CH" smtClean="0"/>
-              <a:t>24.06.2019</a:t>
+              <a:t>04.07.2019</a:t>
             </a:fld>
             <a:endParaRPr lang="de-CH"/>
           </a:p>
@@ -1684,7 +1684,7 @@
           <a:p>
             <a:fld id="{91852DE1-179E-4D15-943F-B5AC425B8136}" type="datetimeFigureOut">
               <a:rPr lang="de-CH" smtClean="0"/>
-              <a:t>24.06.2019</a:t>
+              <a:t>04.07.2019</a:t>
             </a:fld>
             <a:endParaRPr lang="de-CH"/>
           </a:p>
@@ -2051,7 +2051,7 @@
           <a:p>
             <a:fld id="{91852DE1-179E-4D15-943F-B5AC425B8136}" type="datetimeFigureOut">
               <a:rPr lang="de-CH" smtClean="0"/>
-              <a:t>24.06.2019</a:t>
+              <a:t>04.07.2019</a:t>
             </a:fld>
             <a:endParaRPr lang="de-CH"/>
           </a:p>
@@ -2169,7 +2169,7 @@
           <a:p>
             <a:fld id="{91852DE1-179E-4D15-943F-B5AC425B8136}" type="datetimeFigureOut">
               <a:rPr lang="de-CH" smtClean="0"/>
-              <a:t>24.06.2019</a:t>
+              <a:t>04.07.2019</a:t>
             </a:fld>
             <a:endParaRPr lang="de-CH"/>
           </a:p>
@@ -2264,7 +2264,7 @@
           <a:p>
             <a:fld id="{91852DE1-179E-4D15-943F-B5AC425B8136}" type="datetimeFigureOut">
               <a:rPr lang="de-CH" smtClean="0"/>
-              <a:t>24.06.2019</a:t>
+              <a:t>04.07.2019</a:t>
             </a:fld>
             <a:endParaRPr lang="de-CH"/>
           </a:p>
@@ -2541,7 +2541,7 @@
           <a:p>
             <a:fld id="{91852DE1-179E-4D15-943F-B5AC425B8136}" type="datetimeFigureOut">
               <a:rPr lang="de-CH" smtClean="0"/>
-              <a:t>24.06.2019</a:t>
+              <a:t>04.07.2019</a:t>
             </a:fld>
             <a:endParaRPr lang="de-CH"/>
           </a:p>
@@ -2794,7 +2794,7 @@
           <a:p>
             <a:fld id="{91852DE1-179E-4D15-943F-B5AC425B8136}" type="datetimeFigureOut">
               <a:rPr lang="de-CH" smtClean="0"/>
-              <a:t>24.06.2019</a:t>
+              <a:t>04.07.2019</a:t>
             </a:fld>
             <a:endParaRPr lang="de-CH"/>
           </a:p>
@@ -3007,7 +3007,7 @@
           <a:p>
             <a:fld id="{91852DE1-179E-4D15-943F-B5AC425B8136}" type="datetimeFigureOut">
               <a:rPr lang="de-CH" smtClean="0"/>
-              <a:t>24.06.2019</a:t>
+              <a:t>04.07.2019</a:t>
             </a:fld>
             <a:endParaRPr lang="de-CH"/>
           </a:p>
@@ -3660,22 +3660,45 @@
             <a:pPr lvl="1"/>
             <a:r>
               <a:rPr lang="de-CH" sz="1500" dirty="0" smtClean="0"/>
-              <a:t>B1: 0.64</a:t>
-            </a:r>
+              <a:t>B1: </a:t>
+            </a:r>
+            <a:r>
+              <a:rPr lang="de-CH" sz="1500" dirty="0"/>
+              <a:t>0.64 ± </a:t>
+            </a:r>
+            <a:r>
+              <a:rPr lang="de-CH" sz="1500" dirty="0" smtClean="0"/>
+              <a:t>0.15</a:t>
+            </a:r>
+            <a:endParaRPr lang="de-CH" sz="1500" dirty="0" smtClean="0"/>
           </a:p>
           <a:p>
             <a:pPr lvl="1"/>
             <a:r>
               <a:rPr lang="de-CH" sz="1500" dirty="0" smtClean="0"/>
-              <a:t>B2: 0.73</a:t>
-            </a:r>
+              <a:t>B2: </a:t>
+            </a:r>
+            <a:r>
+              <a:rPr lang="de-CH" sz="1500" dirty="0"/>
+              <a:t>0.73 ± </a:t>
+            </a:r>
+            <a:r>
+              <a:rPr lang="de-CH" sz="1500" dirty="0" smtClean="0"/>
+              <a:t>0.18</a:t>
+            </a:r>
+            <a:endParaRPr lang="de-CH" sz="1500" dirty="0" smtClean="0"/>
           </a:p>
           <a:p>
             <a:pPr lvl="1"/>
             <a:r>
               <a:rPr lang="de-CH" sz="1500" dirty="0" smtClean="0"/>
-              <a:t>Overall: 0.68</a:t>
-            </a:r>
+              <a:t>Overall: </a:t>
+            </a:r>
+            <a:r>
+              <a:rPr lang="de-CH" sz="1500" dirty="0" smtClean="0"/>
+              <a:t>0.68 ± 0.17</a:t>
+            </a:r>
+            <a:endParaRPr lang="de-CH" sz="1500" dirty="0" smtClean="0"/>
           </a:p>
           <a:p>
             <a:pPr lvl="0"/>
@@ -3692,22 +3715,41 @@
             <a:pPr lvl="1"/>
             <a:r>
               <a:rPr lang="de-CH" sz="1500" dirty="0" smtClean="0"/>
-              <a:t>B1: 1.24s</a:t>
-            </a:r>
+              <a:t>B1: </a:t>
+            </a:r>
+            <a:r>
+              <a:rPr lang="de-CH" sz="1500" dirty="0"/>
+              <a:t>1.24s ± 0.15</a:t>
+            </a:r>
+            <a:endParaRPr lang="de-CH" sz="1500" dirty="0" smtClean="0"/>
           </a:p>
           <a:p>
             <a:pPr lvl="1"/>
             <a:r>
               <a:rPr lang="de-CH" sz="1500" dirty="0" smtClean="0"/>
-              <a:t>B2: 1.26s</a:t>
-            </a:r>
+              <a:t>B2: </a:t>
+            </a:r>
+            <a:r>
+              <a:rPr lang="de-CH" sz="1500" dirty="0"/>
+              <a:t>1.26s ± 0.18</a:t>
+            </a:r>
+            <a:endParaRPr lang="de-CH" sz="1500" dirty="0" smtClean="0"/>
           </a:p>
           <a:p>
             <a:pPr lvl="1"/>
             <a:r>
               <a:rPr lang="de-CH" sz="1500" dirty="0" smtClean="0"/>
-              <a:t>Overall: 1.25s</a:t>
-            </a:r>
+              <a:t>Overall: </a:t>
+            </a:r>
+            <a:r>
+              <a:rPr lang="de-CH" sz="1500" dirty="0"/>
+              <a:t>1.25s ± </a:t>
+            </a:r>
+            <a:r>
+              <a:rPr lang="de-CH" sz="1500" dirty="0" smtClean="0"/>
+              <a:t>0.16</a:t>
+            </a:r>
+            <a:endParaRPr lang="de-CH" sz="1500" dirty="0" smtClean="0"/>
           </a:p>
           <a:p>
             <a:endParaRPr lang="de-CH" sz="1500" dirty="0"/>
@@ -4342,6 +4384,25 @@
           <a:p>
             <a:r>
               <a:rPr lang="de-DE" sz="1500" dirty="0" smtClean="0"/>
+              <a:t>0 </a:t>
+            </a:r>
+            <a:r>
+              <a:rPr lang="de-DE" sz="1500" dirty="0" err="1" smtClean="0"/>
+              <a:t>incomplete</a:t>
+            </a:r>
+            <a:r>
+              <a:rPr lang="de-DE" sz="1500" dirty="0" smtClean="0"/>
+              <a:t> </a:t>
+            </a:r>
+            <a:r>
+              <a:rPr lang="de-DE" sz="1500" dirty="0" err="1" smtClean="0"/>
+              <a:t>blocks</a:t>
+            </a:r>
+            <a:endParaRPr lang="de-DE" sz="1500" dirty="0" smtClean="0"/>
+          </a:p>
+          <a:p>
+            <a:r>
+              <a:rPr lang="de-DE" sz="1500" dirty="0" smtClean="0"/>
               <a:t>All </a:t>
             </a:r>
             <a:r>
@@ -4388,22 +4449,57 @@
             <a:pPr lvl="1"/>
             <a:r>
               <a:rPr lang="de-DE" sz="1500" dirty="0" smtClean="0"/>
-              <a:t>B1: 0.68</a:t>
-            </a:r>
+              <a:t>B1: </a:t>
+            </a:r>
+            <a:r>
+              <a:rPr lang="de-DE" sz="1500" dirty="0" smtClean="0"/>
+              <a:t>0.68 </a:t>
+            </a:r>
+            <a:r>
+              <a:rPr lang="de-CH" sz="1500" dirty="0"/>
+              <a:t>± </a:t>
+            </a:r>
+            <a:r>
+              <a:rPr lang="de-CH" sz="1500" dirty="0" smtClean="0"/>
+              <a:t>0.27</a:t>
+            </a:r>
+            <a:endParaRPr lang="de-DE" sz="1500" dirty="0" smtClean="0"/>
           </a:p>
           <a:p>
             <a:pPr lvl="1"/>
             <a:r>
               <a:rPr lang="de-DE" sz="1500" dirty="0" smtClean="0"/>
-              <a:t>B2: 0.68</a:t>
-            </a:r>
+              <a:t>B2: </a:t>
+            </a:r>
+            <a:r>
+              <a:rPr lang="de-DE" sz="1500" dirty="0" smtClean="0"/>
+              <a:t>0.68 </a:t>
+            </a:r>
+            <a:r>
+              <a:rPr lang="de-CH" sz="1500" dirty="0" smtClean="0"/>
+              <a:t>± 0.22</a:t>
+            </a:r>
+            <a:endParaRPr lang="de-DE" sz="1500" dirty="0" smtClean="0"/>
           </a:p>
           <a:p>
             <a:pPr lvl="1"/>
             <a:r>
               <a:rPr lang="de-DE" sz="1500" dirty="0" smtClean="0"/>
-              <a:t>Overall: 0.68</a:t>
-            </a:r>
+              <a:t>Overall: </a:t>
+            </a:r>
+            <a:r>
+              <a:rPr lang="de-DE" sz="1500" dirty="0" smtClean="0"/>
+              <a:t>0.68 </a:t>
+            </a:r>
+            <a:r>
+              <a:rPr lang="de-CH" sz="1500" dirty="0"/>
+              <a:t>± </a:t>
+            </a:r>
+            <a:r>
+              <a:rPr lang="de-CH" sz="1500" dirty="0" smtClean="0"/>
+              <a:t>0.24</a:t>
+            </a:r>
+            <a:endParaRPr lang="de-DE" sz="1500" dirty="0" smtClean="0"/>
           </a:p>
           <a:p>
             <a:r>
@@ -4419,22 +4515,61 @@
             <a:pPr lvl="1"/>
             <a:r>
               <a:rPr lang="de-DE" sz="1500" dirty="0" smtClean="0"/>
-              <a:t>B1: 1.27</a:t>
-            </a:r>
+              <a:t>B1: </a:t>
+            </a:r>
+            <a:r>
+              <a:rPr lang="de-DE" sz="1500" dirty="0" smtClean="0"/>
+              <a:t>1.27 </a:t>
+            </a:r>
+            <a:r>
+              <a:rPr lang="de-CH" sz="1500" dirty="0"/>
+              <a:t>± </a:t>
+            </a:r>
+            <a:r>
+              <a:rPr lang="de-DE" sz="1500" dirty="0" smtClean="0"/>
+              <a:t>0.16</a:t>
+            </a:r>
+            <a:endParaRPr lang="de-DE" sz="1500" dirty="0" smtClean="0"/>
           </a:p>
           <a:p>
             <a:pPr lvl="1"/>
             <a:r>
               <a:rPr lang="de-DE" sz="1500" dirty="0" smtClean="0"/>
-              <a:t>B2: 1.27</a:t>
-            </a:r>
+              <a:t>B2: </a:t>
+            </a:r>
+            <a:r>
+              <a:rPr lang="de-DE" sz="1500" dirty="0" smtClean="0"/>
+              <a:t>1.27 </a:t>
+            </a:r>
+            <a:r>
+              <a:rPr lang="de-CH" sz="1500" dirty="0"/>
+              <a:t>± </a:t>
+            </a:r>
+            <a:r>
+              <a:rPr lang="de-DE" sz="1500" dirty="0" smtClean="0"/>
+              <a:t>0.14</a:t>
+            </a:r>
+            <a:endParaRPr lang="de-DE" sz="1500" dirty="0" smtClean="0"/>
           </a:p>
           <a:p>
             <a:pPr lvl="1"/>
             <a:r>
               <a:rPr lang="de-DE" sz="1500" dirty="0" smtClean="0"/>
-              <a:t>Overall: 1.27</a:t>
-            </a:r>
+              <a:t>Overall: </a:t>
+            </a:r>
+            <a:r>
+              <a:rPr lang="de-DE" sz="1500" dirty="0" smtClean="0"/>
+              <a:t>1.27 </a:t>
+            </a:r>
+            <a:r>
+              <a:rPr lang="de-CH" sz="1500" dirty="0"/>
+              <a:t>± </a:t>
+            </a:r>
+            <a:r>
+              <a:rPr lang="de-DE" sz="1500" dirty="0" smtClean="0"/>
+              <a:t>0.15</a:t>
+            </a:r>
+            <a:endParaRPr lang="de-DE" sz="1500" dirty="0"/>
           </a:p>
         </p:txBody>
       </p:sp>
@@ -4460,14 +4595,33 @@
           </a:bodyPr>
           <a:lstStyle/>
           <a:p>
+            <a:r>
+              <a:rPr lang="de-DE" sz="1500" dirty="0"/>
+              <a:t>0 </a:t>
+            </a:r>
+            <a:r>
+              <a:rPr lang="de-DE" sz="1500" dirty="0" err="1"/>
+              <a:t>incomplete</a:t>
+            </a:r>
+            <a:r>
+              <a:rPr lang="de-DE" sz="1500" dirty="0"/>
+              <a:t> </a:t>
+            </a:r>
+            <a:r>
+              <a:rPr lang="de-DE" sz="1500" dirty="0" err="1"/>
+              <a:t>blocks</a:t>
+            </a:r>
+            <a:endParaRPr lang="de-DE" sz="1500" dirty="0"/>
+          </a:p>
+          <a:p>
             <a:pPr lvl="0"/>
             <a:r>
               <a:rPr lang="de-CH" sz="1500" dirty="0" smtClean="0"/>
-              <a:t>All </a:t>
+              <a:t>3 </a:t>
             </a:r>
             <a:r>
               <a:rPr lang="de-CH" sz="1500" dirty="0" err="1" smtClean="0"/>
-              <a:t>blocks</a:t>
+              <a:t>subjects</a:t>
             </a:r>
             <a:r>
               <a:rPr lang="de-CH" sz="1500" dirty="0" smtClean="0"/>
@@ -4475,19 +4629,7 @@
             </a:r>
             <a:r>
               <a:rPr lang="de-CH" sz="1500" dirty="0" err="1" smtClean="0"/>
-              <a:t>completed</a:t>
-            </a:r>
-            <a:endParaRPr lang="de-CH" sz="1500" dirty="0" smtClean="0"/>
-          </a:p>
-          <a:p>
-            <a:pPr lvl="0"/>
-            <a:r>
-              <a:rPr lang="de-CH" sz="1500" dirty="0" smtClean="0"/>
-              <a:t>3 </a:t>
-            </a:r>
-            <a:r>
-              <a:rPr lang="de-CH" sz="1500" dirty="0" err="1" smtClean="0"/>
-              <a:t>subjects</a:t>
+              <a:t>only</a:t>
             </a:r>
             <a:r>
               <a:rPr lang="de-CH" sz="1500" dirty="0" smtClean="0"/>
@@ -4495,7 +4637,18 @@
             </a:r>
             <a:r>
               <a:rPr lang="de-CH" sz="1500" dirty="0" err="1" smtClean="0"/>
-              <a:t>only</a:t>
+              <a:t>completed</a:t>
+            </a:r>
+            <a:r>
+              <a:rPr lang="de-CH" sz="1500" dirty="0" smtClean="0"/>
+              <a:t> 1 block</a:t>
+            </a:r>
+          </a:p>
+          <a:p>
+            <a:pPr lvl="0"/>
+            <a:r>
+              <a:rPr lang="de-CH" sz="1500" dirty="0" err="1" smtClean="0"/>
+              <a:t>Mean</a:t>
             </a:r>
             <a:r>
               <a:rPr lang="de-CH" sz="1500" dirty="0" smtClean="0"/>
@@ -4503,12 +4656,60 @@
             </a:r>
             <a:r>
               <a:rPr lang="de-CH" sz="1500" dirty="0" err="1" smtClean="0"/>
-              <a:t>completed</a:t>
+              <a:t>accuracy</a:t>
             </a:r>
             <a:r>
               <a:rPr lang="de-CH" sz="1500" dirty="0" smtClean="0"/>
-              <a:t> 1 block</a:t>
-            </a:r>
+              <a:t>:</a:t>
+            </a:r>
+          </a:p>
+          <a:p>
+            <a:pPr lvl="1"/>
+            <a:r>
+              <a:rPr lang="de-CH" sz="1500" dirty="0" smtClean="0"/>
+              <a:t>B1</a:t>
+            </a:r>
+            <a:r>
+              <a:rPr lang="de-CH" sz="1500" dirty="0" smtClean="0"/>
+              <a:t>:  </a:t>
+            </a:r>
+            <a:r>
+              <a:rPr lang="de-CH" sz="1500" dirty="0"/>
+              <a:t>0.62  ± </a:t>
+            </a:r>
+            <a:r>
+              <a:rPr lang="de-CH" sz="1500" dirty="0" smtClean="0"/>
+              <a:t>0.23</a:t>
+            </a:r>
+            <a:endParaRPr lang="de-CH" sz="1500" dirty="0" smtClean="0"/>
+          </a:p>
+          <a:p>
+            <a:pPr lvl="1"/>
+            <a:r>
+              <a:rPr lang="de-CH" sz="1500" dirty="0" smtClean="0"/>
+              <a:t>B2: </a:t>
+            </a:r>
+            <a:r>
+              <a:rPr lang="de-CH" sz="1500" dirty="0"/>
+              <a:t>0.67 ± </a:t>
+            </a:r>
+            <a:r>
+              <a:rPr lang="de-CH" sz="1500" dirty="0" smtClean="0"/>
+              <a:t>0.11</a:t>
+            </a:r>
+            <a:endParaRPr lang="de-CH" sz="1500" dirty="0" smtClean="0"/>
+          </a:p>
+          <a:p>
+            <a:pPr lvl="1"/>
+            <a:r>
+              <a:rPr lang="de-CH" sz="1500" dirty="0" smtClean="0"/>
+              <a:t>Overall: </a:t>
+            </a:r>
+            <a:r>
+              <a:rPr lang="de-CH" sz="1500" dirty="0" smtClean="0"/>
+              <a:t>0.64 ±  0.19</a:t>
+            </a:r>
+            <a:endParaRPr lang="de-CH" sz="1500" dirty="0" smtClean="0"/>
           </a:p>
           <a:p>
             <a:pPr lvl="0"/>
@@ -4518,68 +4719,54 @@
             </a:r>
             <a:r>
               <a:rPr lang="de-CH" sz="1500" dirty="0" smtClean="0"/>
-              <a:t> </a:t>
-            </a:r>
-            <a:r>
-              <a:rPr lang="de-CH" sz="1500" dirty="0" err="1" smtClean="0"/>
-              <a:t>accuracy</a:t>
-            </a:r>
+              <a:t> RT:</a:t>
+            </a:r>
+          </a:p>
+          <a:p>
+            <a:pPr lvl="1"/>
             <a:r>
               <a:rPr lang="de-CH" sz="1500" dirty="0" smtClean="0"/>
-              <a:t>:</a:t>
-            </a:r>
+              <a:t>B1: </a:t>
+            </a:r>
+            <a:r>
+              <a:rPr lang="de-CH" sz="1500" dirty="0"/>
+              <a:t>1.27s ± </a:t>
+            </a:r>
+            <a:r>
+              <a:rPr lang="de-DE" sz="1500" dirty="0" smtClean="0"/>
+              <a:t>0.16</a:t>
+            </a:r>
+            <a:endParaRPr lang="de-CH" sz="1500" dirty="0" smtClean="0"/>
           </a:p>
           <a:p>
             <a:pPr lvl="1"/>
             <a:r>
               <a:rPr lang="de-CH" sz="1500" dirty="0" smtClean="0"/>
-              <a:t>B1:  0.62</a:t>
-            </a:r>
+              <a:t>B2: </a:t>
+            </a:r>
+            <a:r>
+              <a:rPr lang="de-CH" sz="1500" dirty="0"/>
+              <a:t>1.29s ± </a:t>
+            </a:r>
+            <a:r>
+              <a:rPr lang="de-DE" sz="1500" dirty="0" smtClean="0"/>
+              <a:t>0.16</a:t>
+            </a:r>
+            <a:endParaRPr lang="de-CH" sz="1500" dirty="0" smtClean="0"/>
           </a:p>
           <a:p>
             <a:pPr lvl="1"/>
             <a:r>
               <a:rPr lang="de-CH" sz="1500" dirty="0" smtClean="0"/>
-              <a:t>B2: 0.67</a:t>
-            </a:r>
-          </a:p>
-          <a:p>
-            <a:pPr lvl="1"/>
+              <a:t>Overall: </a:t>
+            </a:r>
             <a:r>
               <a:rPr lang="de-CH" sz="1500" dirty="0" smtClean="0"/>
-              <a:t>Overall: 0.64</a:t>
-            </a:r>
-          </a:p>
-          <a:p>
-            <a:pPr lvl="0"/>
-            <a:r>
-              <a:rPr lang="de-CH" sz="1500" dirty="0" err="1" smtClean="0"/>
-              <a:t>Mean</a:t>
-            </a:r>
-            <a:r>
-              <a:rPr lang="de-CH" sz="1500" dirty="0" smtClean="0"/>
-              <a:t> RT:</a:t>
-            </a:r>
-          </a:p>
-          <a:p>
-            <a:pPr lvl="1"/>
-            <a:r>
-              <a:rPr lang="de-CH" sz="1500" dirty="0" smtClean="0"/>
-              <a:t>B1: 1.27s</a:t>
-            </a:r>
-          </a:p>
-          <a:p>
-            <a:pPr lvl="1"/>
-            <a:r>
-              <a:rPr lang="de-CH" sz="1500" dirty="0" smtClean="0"/>
-              <a:t>B2: 1.29s</a:t>
-            </a:r>
-          </a:p>
-          <a:p>
-            <a:pPr lvl="1"/>
-            <a:r>
-              <a:rPr lang="de-CH" sz="1500" dirty="0" smtClean="0"/>
-              <a:t>Overall: 1.28s</a:t>
+              <a:t>1.28s ± </a:t>
+            </a:r>
+            <a:r>
+              <a:rPr lang="de-DE" sz="1500" dirty="0" smtClean="0"/>
+              <a:t>0.16</a:t>
             </a:r>
             <a:endParaRPr lang="de-DE" sz="1500" dirty="0" smtClean="0"/>
           </a:p>
@@ -4597,7 +4784,7 @@
           <p:nvPr>
             <p:extLst>
               <p:ext uri="{D42A27DB-BD31-4B8C-83A1-F6EECF244321}">
-                <p14:modId xmlns:p14="http://schemas.microsoft.com/office/powerpoint/2010/main" val="4183484419"/>
+                <p14:modId xmlns:p14="http://schemas.microsoft.com/office/powerpoint/2010/main" val="558026355"/>
               </p:ext>
             </p:extLst>
           </p:nvPr>
@@ -4954,26 +5141,33 @@
                     <a:bodyPr/>
                     <a:lstStyle/>
                     <a:p>
-                      <a:pPr>
-                        <a:lnSpc>
-                          <a:spcPct val="107000"/>
-                        </a:lnSpc>
-                        <a:spcAft>
-                          <a:spcPts val="0"/>
-                        </a:spcAft>
-                      </a:pPr>
-                      <a:r>
-                        <a:rPr lang="de-CH" sz="1500">
-                          <a:effectLst/>
-                        </a:rPr>
-                        <a:t>1.25</a:t>
-                      </a:r>
-                      <a:endParaRPr lang="de-CH" sz="1500">
-                        <a:effectLst/>
-                        <a:latin typeface="Calibri" panose="020F0502020204030204" pitchFamily="34" charset="0"/>
-                        <a:ea typeface="Calibri" panose="020F0502020204030204" pitchFamily="34" charset="0"/>
-                        <a:cs typeface="Times New Roman" panose="02020603050405020304" pitchFamily="18" charset="0"/>
-                      </a:endParaRPr>
+                      <a:pPr marL="0" marR="0" lvl="0" indent="0" algn="l" defTabSz="914400" rtl="0" eaLnBrk="1" fontAlgn="auto" latinLnBrk="0" hangingPunct="1">
+                        <a:lnSpc>
+                          <a:spcPct val="107000"/>
+                        </a:lnSpc>
+                        <a:spcBef>
+                          <a:spcPts val="0"/>
+                        </a:spcBef>
+                        <a:spcAft>
+                          <a:spcPts val="0"/>
+                        </a:spcAft>
+                        <a:buClrTx/>
+                        <a:buSzTx/>
+                        <a:buFontTx/>
+                        <a:buNone/>
+                        <a:tabLst/>
+                        <a:defRPr/>
+                      </a:pPr>
+                      <a:r>
+                        <a:rPr lang="de-CH" sz="1500" dirty="0" smtClean="0">
+                          <a:effectLst/>
+                        </a:rPr>
+                        <a:t>1.25 </a:t>
+                      </a:r>
+                      <a:r>
+                        <a:rPr lang="de-CH" sz="1500" dirty="0" smtClean="0"/>
+                        <a:t>± 0.16</a:t>
+                      </a:r>
                     </a:p>
                   </a:txBody>
                   <a:tcPr marL="93831" marR="93831" marT="0" marB="0"/>
@@ -4992,12 +5186,16 @@
                         </a:spcAft>
                       </a:pPr>
                       <a:r>
-                        <a:rPr lang="de-CH" sz="1500">
-                          <a:effectLst/>
-                        </a:rPr>
-                        <a:t>0.68</a:t>
-                      </a:r>
-                      <a:endParaRPr lang="de-CH" sz="1500">
+                        <a:rPr lang="de-CH" sz="1500" dirty="0" smtClean="0">
+                          <a:effectLst/>
+                        </a:rPr>
+                        <a:t>0.68 </a:t>
+                      </a:r>
+                      <a:r>
+                        <a:rPr lang="de-CH" sz="1500" dirty="0" smtClean="0"/>
+                        <a:t>± 0.17</a:t>
+                      </a:r>
+                      <a:endParaRPr lang="de-CH" sz="1500" dirty="0">
                         <a:effectLst/>
                         <a:latin typeface="Calibri" panose="020F0502020204030204" pitchFamily="34" charset="0"/>
                         <a:ea typeface="Calibri" panose="020F0502020204030204" pitchFamily="34" charset="0"/>
@@ -5135,26 +5333,37 @@
                     <a:bodyPr/>
                     <a:lstStyle/>
                     <a:p>
-                      <a:pPr>
-                        <a:lnSpc>
-                          <a:spcPct val="107000"/>
-                        </a:lnSpc>
-                        <a:spcAft>
-                          <a:spcPts val="0"/>
-                        </a:spcAft>
-                      </a:pPr>
-                      <a:r>
-                        <a:rPr lang="de-CH" sz="1500">
-                          <a:effectLst/>
-                        </a:rPr>
-                        <a:t>1.27</a:t>
-                      </a:r>
-                      <a:endParaRPr lang="de-CH" sz="1500">
-                        <a:effectLst/>
-                        <a:latin typeface="Calibri" panose="020F0502020204030204" pitchFamily="34" charset="0"/>
-                        <a:ea typeface="Calibri" panose="020F0502020204030204" pitchFamily="34" charset="0"/>
-                        <a:cs typeface="Times New Roman" panose="02020603050405020304" pitchFamily="18" charset="0"/>
-                      </a:endParaRPr>
+                      <a:pPr marL="0" marR="0" lvl="0" indent="0" algn="l" defTabSz="914400" rtl="0" eaLnBrk="1" fontAlgn="auto" latinLnBrk="0" hangingPunct="1">
+                        <a:lnSpc>
+                          <a:spcPct val="107000"/>
+                        </a:lnSpc>
+                        <a:spcBef>
+                          <a:spcPts val="0"/>
+                        </a:spcBef>
+                        <a:spcAft>
+                          <a:spcPts val="0"/>
+                        </a:spcAft>
+                        <a:buClrTx/>
+                        <a:buSzTx/>
+                        <a:buFontTx/>
+                        <a:buNone/>
+                        <a:tabLst/>
+                        <a:defRPr/>
+                      </a:pPr>
+                      <a:r>
+                        <a:rPr lang="de-CH" sz="1500" dirty="0" smtClean="0">
+                          <a:effectLst/>
+                        </a:rPr>
+                        <a:t>1.27 </a:t>
+                      </a:r>
+                      <a:r>
+                        <a:rPr lang="de-CH" sz="1500" dirty="0" smtClean="0"/>
+                        <a:t>± </a:t>
+                      </a:r>
+                      <a:r>
+                        <a:rPr lang="de-DE" sz="1500" dirty="0" smtClean="0"/>
+                        <a:t>0.15</a:t>
+                      </a:r>
                     </a:p>
                   </a:txBody>
                   <a:tcPr marL="93831" marR="93831" marT="0" marB="0"/>
@@ -5164,21 +5373,34 @@
                     <a:bodyPr/>
                     <a:lstStyle/>
                     <a:p>
-                      <a:pPr>
-                        <a:lnSpc>
-                          <a:spcPct val="107000"/>
-                        </a:lnSpc>
-                        <a:spcAft>
-                          <a:spcPts val="0"/>
-                        </a:spcAft>
-                      </a:pPr>
-                      <a:r>
-                        <a:rPr lang="de-CH" sz="1500">
-                          <a:effectLst/>
-                        </a:rPr>
-                        <a:t>0.68</a:t>
-                      </a:r>
-                      <a:endParaRPr lang="de-CH" sz="1500">
+                      <a:pPr marL="0" marR="0" lvl="0" indent="0" algn="l" defTabSz="914400" rtl="0" eaLnBrk="1" fontAlgn="auto" latinLnBrk="0" hangingPunct="1">
+                        <a:lnSpc>
+                          <a:spcPct val="107000"/>
+                        </a:lnSpc>
+                        <a:spcBef>
+                          <a:spcPts val="0"/>
+                        </a:spcBef>
+                        <a:spcAft>
+                          <a:spcPts val="0"/>
+                        </a:spcAft>
+                        <a:buClrTx/>
+                        <a:buSzTx/>
+                        <a:buFontTx/>
+                        <a:buNone/>
+                        <a:tabLst/>
+                        <a:defRPr/>
+                      </a:pPr>
+                      <a:r>
+                        <a:rPr lang="de-CH" sz="1500" dirty="0" smtClean="0">
+                          <a:effectLst/>
+                        </a:rPr>
+                        <a:t>0.68 </a:t>
+                      </a:r>
+                      <a:r>
+                        <a:rPr lang="de-CH" sz="1500" dirty="0" smtClean="0"/>
+                        <a:t>± 0.24</a:t>
+                      </a:r>
+                      <a:endParaRPr lang="de-CH" sz="1500" dirty="0" smtClean="0">
                         <a:effectLst/>
                         <a:latin typeface="Calibri" panose="020F0502020204030204" pitchFamily="34" charset="0"/>
                         <a:ea typeface="Calibri" panose="020F0502020204030204" pitchFamily="34" charset="0"/>
@@ -5325,12 +5547,20 @@
                         </a:spcAft>
                       </a:pPr>
                       <a:r>
-                        <a:rPr lang="de-CH" sz="1500">
-                          <a:effectLst/>
-                        </a:rPr>
-                        <a:t>1.28</a:t>
-                      </a:r>
-                      <a:endParaRPr lang="de-CH" sz="1500">
+                        <a:rPr lang="de-CH" sz="1500" dirty="0" smtClean="0">
+                          <a:effectLst/>
+                        </a:rPr>
+                        <a:t>1.28 </a:t>
+                      </a:r>
+                      <a:r>
+                        <a:rPr lang="de-CH" sz="1500" dirty="0" smtClean="0"/>
+                        <a:t>± </a:t>
+                      </a:r>
+                      <a:r>
+                        <a:rPr lang="de-DE" sz="1500" dirty="0" smtClean="0"/>
+                        <a:t>0.16</a:t>
+                      </a:r>
+                      <a:endParaRPr lang="de-CH" sz="1500" dirty="0">
                         <a:effectLst/>
                         <a:latin typeface="Calibri" panose="020F0502020204030204" pitchFamily="34" charset="0"/>
                         <a:ea typeface="Calibri" panose="020F0502020204030204" pitchFamily="34" charset="0"/>
@@ -5345,26 +5575,37 @@
                     <a:bodyPr/>
                     <a:lstStyle/>
                     <a:p>
-                      <a:pPr>
-                        <a:lnSpc>
-                          <a:spcPct val="107000"/>
-                        </a:lnSpc>
-                        <a:spcAft>
-                          <a:spcPts val="0"/>
-                        </a:spcAft>
-                      </a:pPr>
-                      <a:r>
-                        <a:rPr lang="de-CH" sz="1500">
-                          <a:effectLst/>
-                        </a:rPr>
-                        <a:t>0.64</a:t>
-                      </a:r>
-                      <a:endParaRPr lang="de-CH" sz="1500">
-                        <a:effectLst/>
-                        <a:latin typeface="Calibri" panose="020F0502020204030204" pitchFamily="34" charset="0"/>
-                        <a:ea typeface="Calibri" panose="020F0502020204030204" pitchFamily="34" charset="0"/>
-                        <a:cs typeface="Times New Roman" panose="02020603050405020304" pitchFamily="18" charset="0"/>
-                      </a:endParaRPr>
+                      <a:pPr marL="0" marR="0" lvl="0" indent="0" algn="l" defTabSz="914400" rtl="0" eaLnBrk="1" fontAlgn="auto" latinLnBrk="0" hangingPunct="1">
+                        <a:lnSpc>
+                          <a:spcPct val="107000"/>
+                        </a:lnSpc>
+                        <a:spcBef>
+                          <a:spcPts val="0"/>
+                        </a:spcBef>
+                        <a:spcAft>
+                          <a:spcPts val="0"/>
+                        </a:spcAft>
+                        <a:buClrTx/>
+                        <a:buSzTx/>
+                        <a:buFontTx/>
+                        <a:buNone/>
+                        <a:tabLst/>
+                        <a:defRPr/>
+                      </a:pPr>
+                      <a:r>
+                        <a:rPr lang="de-CH" sz="1500" dirty="0" smtClean="0">
+                          <a:effectLst/>
+                        </a:rPr>
+                        <a:t>0.64 </a:t>
+                      </a:r>
+                      <a:r>
+                        <a:rPr lang="de-CH" sz="1500" dirty="0" smtClean="0"/>
+                        <a:t>± </a:t>
+                      </a:r>
+                      <a:r>
+                        <a:rPr lang="de-DE" sz="1500" dirty="0" smtClean="0"/>
+                        <a:t>0.19</a:t>
+                      </a:r>
                     </a:p>
                   </a:txBody>
                   <a:tcPr marL="93831" marR="93831" marT="0" marB="0"/>
@@ -5732,11 +5973,7 @@
             </a:r>
             <a:r>
               <a:rPr lang="de-DE" dirty="0" smtClean="0"/>
-              <a:t> </a:t>
-            </a:r>
-            <a:r>
-              <a:rPr lang="de-DE" dirty="0" smtClean="0"/>
-              <a:t>per block</a:t>
+              <a:t> per block</a:t>
             </a:r>
             <a:endParaRPr lang="de-CH" dirty="0"/>
           </a:p>
@@ -5996,66 +6233,6 @@
           </a:p>
         </p:txBody>
       </p:sp>
-      <p:pic>
-        <p:nvPicPr>
-          <p:cNvPr id="4" name="Grafik 3"/>
-          <p:cNvPicPr>
-            <a:picLocks noChangeAspect="1"/>
-          </p:cNvPicPr>
-          <p:nvPr/>
-        </p:nvPicPr>
-        <p:blipFill>
-          <a:blip r:embed="rId2">
-            <a:extLst>
-              <a:ext uri="{28A0092B-C50C-407E-A947-70E740481C1C}">
-                <a14:useLocalDpi xmlns:a14="http://schemas.microsoft.com/office/drawing/2010/main" val="0"/>
-              </a:ext>
-            </a:extLst>
-          </a:blip>
-          <a:stretch>
-            <a:fillRect/>
-          </a:stretch>
-        </p:blipFill>
-        <p:spPr>
-          <a:xfrm>
-            <a:off x="1055185" y="1691640"/>
-            <a:ext cx="2939985" cy="3148330"/>
-          </a:xfrm>
-          <a:prstGeom prst="rect">
-            <a:avLst/>
-          </a:prstGeom>
-        </p:spPr>
-      </p:pic>
-      <p:pic>
-        <p:nvPicPr>
-          <p:cNvPr id="5" name="Grafik 4"/>
-          <p:cNvPicPr>
-            <a:picLocks noChangeAspect="1"/>
-          </p:cNvPicPr>
-          <p:nvPr/>
-        </p:nvPicPr>
-        <p:blipFill>
-          <a:blip r:embed="rId3">
-            <a:extLst>
-              <a:ext uri="{28A0092B-C50C-407E-A947-70E740481C1C}">
-                <a14:useLocalDpi xmlns:a14="http://schemas.microsoft.com/office/drawing/2010/main" val="0"/>
-              </a:ext>
-            </a:extLst>
-          </a:blip>
-          <a:stretch>
-            <a:fillRect/>
-          </a:stretch>
-        </p:blipFill>
-        <p:spPr>
-          <a:xfrm>
-            <a:off x="5714225" y="1636408"/>
-            <a:ext cx="2991561" cy="3203562"/>
-          </a:xfrm>
-          <a:prstGeom prst="rect">
-            <a:avLst/>
-          </a:prstGeom>
-        </p:spPr>
-      </p:pic>
       <p:graphicFrame>
         <p:nvGraphicFramePr>
           <p:cNvPr id="6" name="Tabelle 5"/>
@@ -6065,14 +6242,14 @@
           <p:nvPr>
             <p:extLst>
               <p:ext uri="{D42A27DB-BD31-4B8C-83A1-F6EECF244321}">
-                <p14:modId xmlns:p14="http://schemas.microsoft.com/office/powerpoint/2010/main" val="2943520384"/>
+                <p14:modId xmlns:p14="http://schemas.microsoft.com/office/powerpoint/2010/main" val="1601775080"/>
               </p:ext>
             </p:extLst>
           </p:nvPr>
         </p:nvGraphicFramePr>
         <p:xfrm>
-          <a:off x="4129372" y="1692910"/>
-          <a:ext cx="1341276" cy="3147066"/>
+          <a:off x="4039288" y="1692910"/>
+          <a:ext cx="1431360" cy="3420414"/>
         </p:xfrm>
         <a:graphic>
           <a:graphicData uri="http://schemas.openxmlformats.org/drawingml/2006/table">
@@ -6081,21 +6258,21 @@
                 <a:tableStyleId>{2D5ABB26-0587-4C30-8999-92F81FD0307C}</a:tableStyleId>
               </a:tblPr>
               <a:tblGrid>
-                <a:gridCol w="447092">
+                <a:gridCol w="477120">
                   <a:extLst>
                     <a:ext uri="{9D8B030D-6E8A-4147-A177-3AD203B41FA5}">
                       <a16:colId xmlns:a16="http://schemas.microsoft.com/office/drawing/2014/main" val="3359782596"/>
                     </a:ext>
                   </a:extLst>
                 </a:gridCol>
-                <a:gridCol w="447092">
+                <a:gridCol w="477120">
                   <a:extLst>
                     <a:ext uri="{9D8B030D-6E8A-4147-A177-3AD203B41FA5}">
                       <a16:colId xmlns:a16="http://schemas.microsoft.com/office/drawing/2014/main" val="550116040"/>
                     </a:ext>
                   </a:extLst>
                 </a:gridCol>
-                <a:gridCol w="447092">
+                <a:gridCol w="477120">
                   <a:extLst>
                     <a:ext uri="{9D8B030D-6E8A-4147-A177-3AD203B41FA5}">
                       <a16:colId xmlns:a16="http://schemas.microsoft.com/office/drawing/2014/main" val="1523451918"/>
@@ -6103,7 +6280,7 @@
                   </a:extLst>
                 </a:gridCol>
               </a:tblGrid>
-              <a:tr h="174837">
+              <a:tr h="190023">
                 <a:tc>
                   <a:txBody>
                     <a:bodyPr/>
@@ -6197,7 +6374,7 @@
                   </a:ext>
                 </a:extLst>
               </a:tr>
-              <a:tr h="174837">
+              <a:tr h="190023">
                 <a:tc>
                   <a:txBody>
                     <a:bodyPr/>
@@ -6291,7 +6468,7 @@
                   </a:ext>
                 </a:extLst>
               </a:tr>
-              <a:tr h="174837">
+              <a:tr h="190023">
                 <a:tc>
                   <a:txBody>
                     <a:bodyPr/>
@@ -6385,7 +6562,7 @@
                   </a:ext>
                 </a:extLst>
               </a:tr>
-              <a:tr h="174837">
+              <a:tr h="190023">
                 <a:tc>
                   <a:txBody>
                     <a:bodyPr/>
@@ -6479,7 +6656,7 @@
                   </a:ext>
                 </a:extLst>
               </a:tr>
-              <a:tr h="174837">
+              <a:tr h="190023">
                 <a:tc>
                   <a:txBody>
                     <a:bodyPr/>
@@ -6573,7 +6750,7 @@
                   </a:ext>
                 </a:extLst>
               </a:tr>
-              <a:tr h="174837">
+              <a:tr h="190023">
                 <a:tc>
                   <a:txBody>
                     <a:bodyPr/>
@@ -6667,7 +6844,7 @@
                   </a:ext>
                 </a:extLst>
               </a:tr>
-              <a:tr h="174837">
+              <a:tr h="190023">
                 <a:tc>
                   <a:txBody>
                     <a:bodyPr/>
@@ -6761,7 +6938,7 @@
                   </a:ext>
                 </a:extLst>
               </a:tr>
-              <a:tr h="174837">
+              <a:tr h="190023">
                 <a:tc>
                   <a:txBody>
                     <a:bodyPr/>
@@ -6855,7 +7032,7 @@
                   </a:ext>
                 </a:extLst>
               </a:tr>
-              <a:tr h="174837">
+              <a:tr h="190023">
                 <a:tc>
                   <a:txBody>
                     <a:bodyPr/>
@@ -6949,7 +7126,7 @@
                   </a:ext>
                 </a:extLst>
               </a:tr>
-              <a:tr h="174837">
+              <a:tr h="190023">
                 <a:tc>
                   <a:txBody>
                     <a:bodyPr/>
@@ -7043,7 +7220,7 @@
                   </a:ext>
                 </a:extLst>
               </a:tr>
-              <a:tr h="174837">
+              <a:tr h="190023">
                 <a:tc>
                   <a:txBody>
                     <a:bodyPr/>
@@ -7137,7 +7314,7 @@
                   </a:ext>
                 </a:extLst>
               </a:tr>
-              <a:tr h="174837">
+              <a:tr h="190023">
                 <a:tc>
                   <a:txBody>
                     <a:bodyPr/>
@@ -7231,7 +7408,7 @@
                   </a:ext>
                 </a:extLst>
               </a:tr>
-              <a:tr h="174837">
+              <a:tr h="190023">
                 <a:tc>
                   <a:txBody>
                     <a:bodyPr/>
@@ -7275,12 +7452,12 @@
                         </a:spcAft>
                       </a:pPr>
                       <a:r>
-                        <a:rPr lang="de-CH" sz="700">
+                        <a:rPr lang="de-CH" sz="700" dirty="0">
                           <a:effectLst/>
                         </a:rPr>
                         <a:t>1</a:t>
                       </a:r>
-                      <a:endParaRPr lang="de-CH" sz="1000">
+                      <a:endParaRPr lang="de-CH" sz="1000" dirty="0">
                         <a:effectLst/>
                         <a:latin typeface="Calibri" panose="020F0502020204030204" pitchFamily="34" charset="0"/>
                         <a:ea typeface="Calibri" panose="020F0502020204030204" pitchFamily="34" charset="0"/>
@@ -7325,7 +7502,7 @@
                   </a:ext>
                 </a:extLst>
               </a:tr>
-              <a:tr h="174837">
+              <a:tr h="190023">
                 <a:tc>
                   <a:txBody>
                     <a:bodyPr/>
@@ -7419,7 +7596,7 @@
                   </a:ext>
                 </a:extLst>
               </a:tr>
-              <a:tr h="174837">
+              <a:tr h="190023">
                 <a:tc>
                   <a:txBody>
                     <a:bodyPr/>
@@ -7513,7 +7690,7 @@
                   </a:ext>
                 </a:extLst>
               </a:tr>
-              <a:tr h="174837">
+              <a:tr h="190023">
                 <a:tc>
                   <a:txBody>
                     <a:bodyPr/>
@@ -7607,7 +7784,7 @@
                   </a:ext>
                 </a:extLst>
               </a:tr>
-              <a:tr h="174837">
+              <a:tr h="190023">
                 <a:tc>
                   <a:txBody>
                     <a:bodyPr/>
@@ -7701,7 +7878,7 @@
                   </a:ext>
                 </a:extLst>
               </a:tr>
-              <a:tr h="174837">
+              <a:tr h="190023">
                 <a:tc>
                   <a:txBody>
                     <a:bodyPr/>
@@ -7808,13 +7985,13 @@
           <p:nvPr>
             <p:extLst>
               <p:ext uri="{D42A27DB-BD31-4B8C-83A1-F6EECF244321}">
-                <p14:modId xmlns:p14="http://schemas.microsoft.com/office/powerpoint/2010/main" val="2311903074"/>
+                <p14:modId xmlns:p14="http://schemas.microsoft.com/office/powerpoint/2010/main" val="3833560660"/>
               </p:ext>
             </p:extLst>
           </p:nvPr>
         </p:nvGraphicFramePr>
         <p:xfrm>
-          <a:off x="8681594" y="1636409"/>
+          <a:off x="9439160" y="1650697"/>
           <a:ext cx="1774254" cy="3219430"/>
         </p:xfrm>
         <a:graphic>
@@ -8143,12 +8320,12 @@
                         </a:spcAft>
                       </a:pPr>
                       <a:r>
-                        <a:rPr lang="de-CH" sz="700">
+                        <a:rPr lang="de-CH" sz="700" dirty="0">
                           <a:effectLst/>
                         </a:rPr>
                         <a:t>2x4-03</a:t>
                       </a:r>
-                      <a:endParaRPr lang="de-CH" sz="700">
+                      <a:endParaRPr lang="de-CH" sz="700" dirty="0">
                         <a:effectLst/>
                         <a:latin typeface="Calibri" panose="020F0502020204030204" pitchFamily="34" charset="0"/>
                         <a:ea typeface="Calibri" panose="020F0502020204030204" pitchFamily="34" charset="0"/>
@@ -9260,6 +9437,66 @@
           </a:graphicData>
         </a:graphic>
       </p:graphicFrame>
+      <p:pic>
+        <p:nvPicPr>
+          <p:cNvPr id="3" name="Grafik 2"/>
+          <p:cNvPicPr>
+            <a:picLocks noChangeAspect="1"/>
+          </p:cNvPicPr>
+          <p:nvPr/>
+        </p:nvPicPr>
+        <p:blipFill>
+          <a:blip r:embed="rId2">
+            <a:extLst>
+              <a:ext uri="{28A0092B-C50C-407E-A947-70E740481C1C}">
+                <a14:useLocalDpi xmlns:a14="http://schemas.microsoft.com/office/drawing/2010/main" val="0"/>
+              </a:ext>
+            </a:extLst>
+          </a:blip>
+          <a:stretch>
+            <a:fillRect/>
+          </a:stretch>
+        </p:blipFill>
+        <p:spPr>
+          <a:xfrm>
+            <a:off x="428900" y="1650696"/>
+            <a:ext cx="3470002" cy="3619021"/>
+          </a:xfrm>
+          <a:prstGeom prst="rect">
+            <a:avLst/>
+          </a:prstGeom>
+        </p:spPr>
+      </p:pic>
+      <p:pic>
+        <p:nvPicPr>
+          <p:cNvPr id="8" name="Grafik 7"/>
+          <p:cNvPicPr>
+            <a:picLocks noChangeAspect="1"/>
+          </p:cNvPicPr>
+          <p:nvPr/>
+        </p:nvPicPr>
+        <p:blipFill>
+          <a:blip r:embed="rId3">
+            <a:extLst>
+              <a:ext uri="{28A0092B-C50C-407E-A947-70E740481C1C}">
+                <a14:useLocalDpi xmlns:a14="http://schemas.microsoft.com/office/drawing/2010/main" val="0"/>
+              </a:ext>
+            </a:extLst>
+          </a:blip>
+          <a:stretch>
+            <a:fillRect/>
+          </a:stretch>
+        </p:blipFill>
+        <p:spPr>
+          <a:xfrm>
+            <a:off x="5867114" y="1690688"/>
+            <a:ext cx="3431659" cy="3579030"/>
+          </a:xfrm>
+          <a:prstGeom prst="rect">
+            <a:avLst/>
+          </a:prstGeom>
+        </p:spPr>
+      </p:pic>
     </p:spTree>
     <p:extLst>
       <p:ext uri="{BB962C8B-B14F-4D97-AF65-F5344CB8AC3E}">
@@ -9338,14 +9575,14 @@
             <p:ph idx="1"/>
             <p:extLst>
               <p:ext uri="{D42A27DB-BD31-4B8C-83A1-F6EECF244321}">
-                <p14:modId xmlns:p14="http://schemas.microsoft.com/office/powerpoint/2010/main" val="834219548"/>
+                <p14:modId xmlns:p14="http://schemas.microsoft.com/office/powerpoint/2010/main" val="3969552127"/>
               </p:ext>
             </p:extLst>
           </p:nvPr>
         </p:nvGraphicFramePr>
         <p:xfrm>
-          <a:off x="4113847" y="1690689"/>
-          <a:ext cx="1842594" cy="2698021"/>
+          <a:off x="4079263" y="1712914"/>
+          <a:ext cx="1842594" cy="2697027"/>
         </p:xfrm>
         <a:graphic>
           <a:graphicData uri="http://schemas.openxmlformats.org/drawingml/2006/table">
@@ -9608,12 +9845,12 @@
                         </a:spcAft>
                       </a:pPr>
                       <a:r>
-                        <a:rPr lang="de-CH" sz="800">
+                        <a:rPr lang="de-CH" sz="800" dirty="0">
                           <a:effectLst/>
                         </a:rPr>
                         <a:t>1</a:t>
                       </a:r>
-                      <a:endParaRPr lang="de-CH" sz="1100">
+                      <a:endParaRPr lang="de-CH" sz="1100" dirty="0">
                         <a:effectLst/>
                         <a:latin typeface="Calibri" panose="020F0502020204030204" pitchFamily="34" charset="0"/>
                         <a:ea typeface="Calibri" panose="020F0502020204030204" pitchFamily="34" charset="0"/>
@@ -10483,12 +10720,12 @@
                         </a:spcAft>
                       </a:pPr>
                       <a:r>
-                        <a:rPr lang="de-CH" sz="800">
+                        <a:rPr lang="de-CH" sz="800" dirty="0">
                           <a:effectLst/>
                         </a:rPr>
                         <a:t>0.50000</a:t>
                       </a:r>
-                      <a:endParaRPr lang="de-CH" sz="1100">
+                      <a:endParaRPr lang="de-CH" sz="1100" dirty="0">
                         <a:effectLst/>
                         <a:latin typeface="Calibri" panose="020F0502020204030204" pitchFamily="34" charset="0"/>
                         <a:ea typeface="Calibri" panose="020F0502020204030204" pitchFamily="34" charset="0"/>
@@ -10611,13 +10848,13 @@
           <p:nvPr>
             <p:extLst>
               <p:ext uri="{D42A27DB-BD31-4B8C-83A1-F6EECF244321}">
-                <p14:modId xmlns:p14="http://schemas.microsoft.com/office/powerpoint/2010/main" val="3804793990"/>
+                <p14:modId xmlns:p14="http://schemas.microsoft.com/office/powerpoint/2010/main" val="3720711807"/>
               </p:ext>
             </p:extLst>
           </p:nvPr>
         </p:nvGraphicFramePr>
         <p:xfrm>
-          <a:off x="9504750" y="1690688"/>
+          <a:off x="9585506" y="1690688"/>
           <a:ext cx="1886586" cy="2847975"/>
         </p:xfrm>
         <a:graphic>
@@ -11727,12 +11964,12 @@
                         </a:spcAft>
                       </a:pPr>
                       <a:r>
-                        <a:rPr lang="de-CH" sz="850">
+                        <a:rPr lang="de-CH" sz="850" dirty="0">
                           <a:effectLst/>
                         </a:rPr>
                         <a:t>2</a:t>
                       </a:r>
-                      <a:endParaRPr lang="de-CH" sz="1100">
+                      <a:endParaRPr lang="de-CH" sz="1100" dirty="0">
                         <a:effectLst/>
                         <a:latin typeface="Calibri" panose="020F0502020204030204" pitchFamily="34" charset="0"/>
                         <a:ea typeface="Calibri" panose="020F0502020204030204" pitchFamily="34" charset="0"/>
@@ -11877,7 +12114,7 @@
       </p:graphicFrame>
       <p:pic>
         <p:nvPicPr>
-          <p:cNvPr id="6" name="Grafik 5"/>
+          <p:cNvPr id="9" name="Grafik 8"/>
           <p:cNvPicPr>
             <a:picLocks noChangeAspect="1"/>
           </p:cNvPicPr>
@@ -11897,8 +12134,8 @@
         </p:blipFill>
         <p:spPr>
           <a:xfrm>
-            <a:off x="6114768" y="1690689"/>
-            <a:ext cx="3087595" cy="3306401"/>
+            <a:off x="6040149" y="1690688"/>
+            <a:ext cx="3553540" cy="3929116"/>
           </a:xfrm>
           <a:prstGeom prst="rect">
             <a:avLst/>
@@ -11907,7 +12144,7 @@
       </p:pic>
       <p:pic>
         <p:nvPicPr>
-          <p:cNvPr id="7" name="Grafik 6"/>
+          <p:cNvPr id="10" name="Grafik 9"/>
           <p:cNvPicPr>
             <a:picLocks noChangeAspect="1"/>
           </p:cNvPicPr>
@@ -11927,8 +12164,8 @@
         </p:blipFill>
         <p:spPr>
           <a:xfrm>
-            <a:off x="838200" y="1690689"/>
-            <a:ext cx="3087595" cy="3306401"/>
+            <a:off x="538645" y="1704975"/>
+            <a:ext cx="3540617" cy="3914829"/>
           </a:xfrm>
           <a:prstGeom prst="rect">
             <a:avLst/>
@@ -12012,13 +12249,13 @@
           <p:nvPr>
             <p:extLst>
               <p:ext uri="{D42A27DB-BD31-4B8C-83A1-F6EECF244321}">
-                <p14:modId xmlns:p14="http://schemas.microsoft.com/office/powerpoint/2010/main" val="2849561916"/>
+                <p14:modId xmlns:p14="http://schemas.microsoft.com/office/powerpoint/2010/main" val="1269858468"/>
               </p:ext>
             </p:extLst>
           </p:nvPr>
         </p:nvGraphicFramePr>
         <p:xfrm>
-          <a:off x="3833178" y="1631156"/>
+          <a:off x="4084320" y="1590675"/>
           <a:ext cx="1967229" cy="3286125"/>
         </p:xfrm>
         <a:graphic>
@@ -12658,12 +12895,12 @@
                         </a:spcAft>
                       </a:pPr>
                       <a:r>
-                        <a:rPr lang="de-CH" sz="850">
+                        <a:rPr lang="de-CH" sz="850" dirty="0">
                           <a:effectLst/>
                         </a:rPr>
                         <a:t>1</a:t>
                       </a:r>
-                      <a:endParaRPr lang="de-CH" sz="1100">
+                      <a:endParaRPr lang="de-CH" sz="1100" dirty="0">
                         <a:effectLst/>
                         <a:latin typeface="Calibri" panose="020F0502020204030204" pitchFamily="34" charset="0"/>
                         <a:ea typeface="Calibri" panose="020F0502020204030204" pitchFamily="34" charset="0"/>
@@ -13473,13 +13710,13 @@
           <p:nvPr>
             <p:extLst>
               <p:ext uri="{D42A27DB-BD31-4B8C-83A1-F6EECF244321}">
-                <p14:modId xmlns:p14="http://schemas.microsoft.com/office/powerpoint/2010/main" val="1565205076"/>
+                <p14:modId xmlns:p14="http://schemas.microsoft.com/office/powerpoint/2010/main" val="4212819086"/>
               </p:ext>
             </p:extLst>
           </p:nvPr>
         </p:nvGraphicFramePr>
         <p:xfrm>
-          <a:off x="9157121" y="1590675"/>
+          <a:off x="9797201" y="1468303"/>
           <a:ext cx="1967229" cy="2409825"/>
         </p:xfrm>
         <a:graphic>
@@ -14614,7 +14851,7 @@
       </p:sp>
       <p:pic>
         <p:nvPicPr>
-          <p:cNvPr id="7" name="Grafik 6"/>
+          <p:cNvPr id="3" name="Grafik 2"/>
           <p:cNvPicPr>
             <a:picLocks noChangeAspect="1"/>
           </p:cNvPicPr>
@@ -14634,8 +14871,8 @@
         </p:blipFill>
         <p:spPr>
           <a:xfrm>
-            <a:off x="5906134" y="1590141"/>
-            <a:ext cx="3145260" cy="3368153"/>
+            <a:off x="514893" y="1462588"/>
+            <a:ext cx="3569427" cy="3946683"/>
           </a:xfrm>
           <a:prstGeom prst="rect">
             <a:avLst/>
@@ -14644,7 +14881,7 @@
       </p:pic>
       <p:pic>
         <p:nvPicPr>
-          <p:cNvPr id="8" name="Grafik 7"/>
+          <p:cNvPr id="9" name="Grafik 8"/>
           <p:cNvPicPr>
             <a:picLocks noChangeAspect="1"/>
           </p:cNvPicPr>
@@ -14664,8 +14901,8 @@
         </p:blipFill>
         <p:spPr>
           <a:xfrm>
-            <a:off x="582191" y="1631156"/>
-            <a:ext cx="3145260" cy="3368153"/>
+            <a:off x="6227774" y="1462588"/>
+            <a:ext cx="3569427" cy="3946683"/>
           </a:xfrm>
           <a:prstGeom prst="rect">
             <a:avLst/>

--- a/data/piloting/piloting_kloten/overview_kloten.pptx
+++ b/data/piloting/piloting_kloten/overview_kloten.pptx
@@ -5,7 +5,7 @@
     <p:sldMasterId id="2147483648" r:id="rId1"/>
   </p:sldMasterIdLst>
   <p:notesMasterIdLst>
-    <p:notesMasterId r:id="rId9"/>
+    <p:notesMasterId r:id="rId11"/>
   </p:notesMasterIdLst>
   <p:sldIdLst>
     <p:sldId id="256" r:id="rId2"/>
@@ -15,6 +15,8 @@
     <p:sldId id="261" r:id="rId6"/>
     <p:sldId id="262" r:id="rId7"/>
     <p:sldId id="263" r:id="rId8"/>
+    <p:sldId id="264" r:id="rId9"/>
+    <p:sldId id="265" r:id="rId10"/>
   </p:sldIdLst>
   <p:sldSz cx="12192000" cy="6858000"/>
   <p:notesSz cx="6858000" cy="9144000"/>
@@ -203,7 +205,7 @@
           <a:p>
             <a:fld id="{5F78C8DE-95F4-4CCE-8818-E6D3DDC2046D}" type="datetimeFigureOut">
               <a:rPr lang="de-CH" smtClean="0"/>
-              <a:t>04.07.2019</a:t>
+              <a:t>11.07.2019</a:t>
             </a:fld>
             <a:endParaRPr lang="de-CH"/>
           </a:p>
@@ -686,7 +688,7 @@
           <a:p>
             <a:fld id="{91852DE1-179E-4D15-943F-B5AC425B8136}" type="datetimeFigureOut">
               <a:rPr lang="de-CH" smtClean="0"/>
-              <a:t>04.07.2019</a:t>
+              <a:t>11.07.2019</a:t>
             </a:fld>
             <a:endParaRPr lang="de-CH"/>
           </a:p>
@@ -856,7 +858,7 @@
           <a:p>
             <a:fld id="{91852DE1-179E-4D15-943F-B5AC425B8136}" type="datetimeFigureOut">
               <a:rPr lang="de-CH" smtClean="0"/>
-              <a:t>04.07.2019</a:t>
+              <a:t>11.07.2019</a:t>
             </a:fld>
             <a:endParaRPr lang="de-CH"/>
           </a:p>
@@ -1036,7 +1038,7 @@
           <a:p>
             <a:fld id="{91852DE1-179E-4D15-943F-B5AC425B8136}" type="datetimeFigureOut">
               <a:rPr lang="de-CH" smtClean="0"/>
-              <a:t>04.07.2019</a:t>
+              <a:t>11.07.2019</a:t>
             </a:fld>
             <a:endParaRPr lang="de-CH"/>
           </a:p>
@@ -1206,7 +1208,7 @@
           <a:p>
             <a:fld id="{91852DE1-179E-4D15-943F-B5AC425B8136}" type="datetimeFigureOut">
               <a:rPr lang="de-CH" smtClean="0"/>
-              <a:t>04.07.2019</a:t>
+              <a:t>11.07.2019</a:t>
             </a:fld>
             <a:endParaRPr lang="de-CH"/>
           </a:p>
@@ -1452,7 +1454,7 @@
           <a:p>
             <a:fld id="{91852DE1-179E-4D15-943F-B5AC425B8136}" type="datetimeFigureOut">
               <a:rPr lang="de-CH" smtClean="0"/>
-              <a:t>04.07.2019</a:t>
+              <a:t>11.07.2019</a:t>
             </a:fld>
             <a:endParaRPr lang="de-CH"/>
           </a:p>
@@ -1684,7 +1686,7 @@
           <a:p>
             <a:fld id="{91852DE1-179E-4D15-943F-B5AC425B8136}" type="datetimeFigureOut">
               <a:rPr lang="de-CH" smtClean="0"/>
-              <a:t>04.07.2019</a:t>
+              <a:t>11.07.2019</a:t>
             </a:fld>
             <a:endParaRPr lang="de-CH"/>
           </a:p>
@@ -2051,7 +2053,7 @@
           <a:p>
             <a:fld id="{91852DE1-179E-4D15-943F-B5AC425B8136}" type="datetimeFigureOut">
               <a:rPr lang="de-CH" smtClean="0"/>
-              <a:t>04.07.2019</a:t>
+              <a:t>11.07.2019</a:t>
             </a:fld>
             <a:endParaRPr lang="de-CH"/>
           </a:p>
@@ -2169,7 +2171,7 @@
           <a:p>
             <a:fld id="{91852DE1-179E-4D15-943F-B5AC425B8136}" type="datetimeFigureOut">
               <a:rPr lang="de-CH" smtClean="0"/>
-              <a:t>04.07.2019</a:t>
+              <a:t>11.07.2019</a:t>
             </a:fld>
             <a:endParaRPr lang="de-CH"/>
           </a:p>
@@ -2264,7 +2266,7 @@
           <a:p>
             <a:fld id="{91852DE1-179E-4D15-943F-B5AC425B8136}" type="datetimeFigureOut">
               <a:rPr lang="de-CH" smtClean="0"/>
-              <a:t>04.07.2019</a:t>
+              <a:t>11.07.2019</a:t>
             </a:fld>
             <a:endParaRPr lang="de-CH"/>
           </a:p>
@@ -2541,7 +2543,7 @@
           <a:p>
             <a:fld id="{91852DE1-179E-4D15-943F-B5AC425B8136}" type="datetimeFigureOut">
               <a:rPr lang="de-CH" smtClean="0"/>
-              <a:t>04.07.2019</a:t>
+              <a:t>11.07.2019</a:t>
             </a:fld>
             <a:endParaRPr lang="de-CH"/>
           </a:p>
@@ -2794,7 +2796,7 @@
           <a:p>
             <a:fld id="{91852DE1-179E-4D15-943F-B5AC425B8136}" type="datetimeFigureOut">
               <a:rPr lang="de-CH" smtClean="0"/>
-              <a:t>04.07.2019</a:t>
+              <a:t>11.07.2019</a:t>
             </a:fld>
             <a:endParaRPr lang="de-CH"/>
           </a:p>
@@ -3007,7 +3009,7 @@
           <a:p>
             <a:fld id="{91852DE1-179E-4D15-943F-B5AC425B8136}" type="datetimeFigureOut">
               <a:rPr lang="de-CH" smtClean="0"/>
-              <a:t>04.07.2019</a:t>
+              <a:t>11.07.2019</a:t>
             </a:fld>
             <a:endParaRPr lang="de-CH"/>
           </a:p>
@@ -3670,7 +3672,6 @@
               <a:rPr lang="de-CH" sz="1500" dirty="0" smtClean="0"/>
               <a:t>0.15</a:t>
             </a:r>
-            <a:endParaRPr lang="de-CH" sz="1500" dirty="0" smtClean="0"/>
           </a:p>
           <a:p>
             <a:pPr lvl="1"/>
@@ -3686,6 +3687,47 @@
               <a:rPr lang="de-CH" sz="1500" dirty="0" smtClean="0"/>
               <a:t>0.18</a:t>
             </a:r>
+          </a:p>
+          <a:p>
+            <a:pPr lvl="1"/>
+            <a:r>
+              <a:rPr lang="de-CH" sz="1500" dirty="0" smtClean="0"/>
+              <a:t>Overall: 0.68 ± 0.17</a:t>
+            </a:r>
+          </a:p>
+          <a:p>
+            <a:pPr lvl="0"/>
+            <a:r>
+              <a:rPr lang="de-CH" sz="1500" dirty="0" err="1" smtClean="0"/>
+              <a:t>Mean</a:t>
+            </a:r>
+            <a:r>
+              <a:rPr lang="de-CH" sz="1500" dirty="0" smtClean="0"/>
+              <a:t> RT</a:t>
+            </a:r>
+          </a:p>
+          <a:p>
+            <a:pPr lvl="1"/>
+            <a:r>
+              <a:rPr lang="de-CH" sz="1500" dirty="0" smtClean="0"/>
+              <a:t>B1: </a:t>
+            </a:r>
+            <a:r>
+              <a:rPr lang="de-CH" sz="1500" dirty="0"/>
+              <a:t>1.24s ± 0.15</a:t>
+            </a:r>
+            <a:endParaRPr lang="de-CH" sz="1500" dirty="0" smtClean="0"/>
+          </a:p>
+          <a:p>
+            <a:pPr lvl="1"/>
+            <a:r>
+              <a:rPr lang="de-CH" sz="1500" dirty="0" smtClean="0"/>
+              <a:t>B2: </a:t>
+            </a:r>
+            <a:r>
+              <a:rPr lang="de-CH" sz="1500" dirty="0"/>
+              <a:t>1.26s ± 0.18</a:t>
+            </a:r>
             <a:endParaRPr lang="de-CH" sz="1500" dirty="0" smtClean="0"/>
           </a:p>
           <a:p>
@@ -3695,53 +3737,6 @@
               <a:t>Overall: </a:t>
             </a:r>
             <a:r>
-              <a:rPr lang="de-CH" sz="1500" dirty="0" smtClean="0"/>
-              <a:t>0.68 ± 0.17</a:t>
-            </a:r>
-            <a:endParaRPr lang="de-CH" sz="1500" dirty="0" smtClean="0"/>
-          </a:p>
-          <a:p>
-            <a:pPr lvl="0"/>
-            <a:r>
-              <a:rPr lang="de-CH" sz="1500" dirty="0" err="1" smtClean="0"/>
-              <a:t>Mean</a:t>
-            </a:r>
-            <a:r>
-              <a:rPr lang="de-CH" sz="1500" dirty="0" smtClean="0"/>
-              <a:t> RT</a:t>
-            </a:r>
-          </a:p>
-          <a:p>
-            <a:pPr lvl="1"/>
-            <a:r>
-              <a:rPr lang="de-CH" sz="1500" dirty="0" smtClean="0"/>
-              <a:t>B1: </a:t>
-            </a:r>
-            <a:r>
-              <a:rPr lang="de-CH" sz="1500" dirty="0"/>
-              <a:t>1.24s ± 0.15</a:t>
-            </a:r>
-            <a:endParaRPr lang="de-CH" sz="1500" dirty="0" smtClean="0"/>
-          </a:p>
-          <a:p>
-            <a:pPr lvl="1"/>
-            <a:r>
-              <a:rPr lang="de-CH" sz="1500" dirty="0" smtClean="0"/>
-              <a:t>B2: </a:t>
-            </a:r>
-            <a:r>
-              <a:rPr lang="de-CH" sz="1500" dirty="0"/>
-              <a:t>1.26s ± 0.18</a:t>
-            </a:r>
-            <a:endParaRPr lang="de-CH" sz="1500" dirty="0" smtClean="0"/>
-          </a:p>
-          <a:p>
-            <a:pPr lvl="1"/>
-            <a:r>
-              <a:rPr lang="de-CH" sz="1500" dirty="0" smtClean="0"/>
-              <a:t>Overall: </a:t>
-            </a:r>
-            <a:r>
               <a:rPr lang="de-CH" sz="1500" dirty="0"/>
               <a:t>1.25s ± </a:t>
             </a:r>
@@ -3749,7 +3744,6 @@
               <a:rPr lang="de-CH" sz="1500" dirty="0" smtClean="0"/>
               <a:t>0.16</a:t>
             </a:r>
-            <a:endParaRPr lang="de-CH" sz="1500" dirty="0" smtClean="0"/>
           </a:p>
           <a:p>
             <a:endParaRPr lang="de-CH" sz="1500" dirty="0"/>
@@ -4449,11 +4443,7 @@
             <a:pPr lvl="1"/>
             <a:r>
               <a:rPr lang="de-DE" sz="1500" dirty="0" smtClean="0"/>
-              <a:t>B1: </a:t>
-            </a:r>
-            <a:r>
-              <a:rPr lang="de-DE" sz="1500" dirty="0" smtClean="0"/>
-              <a:t>0.68 </a:t>
+              <a:t>B1: 0.68 </a:t>
             </a:r>
             <a:r>
               <a:rPr lang="de-CH" sz="1500" dirty="0"/>
@@ -4469,11 +4459,7 @@
             <a:pPr lvl="1"/>
             <a:r>
               <a:rPr lang="de-DE" sz="1500" dirty="0" smtClean="0"/>
-              <a:t>B2: </a:t>
-            </a:r>
-            <a:r>
-              <a:rPr lang="de-DE" sz="1500" dirty="0" smtClean="0"/>
-              <a:t>0.68 </a:t>
+              <a:t>B2: 0.68 </a:t>
             </a:r>
             <a:r>
               <a:rPr lang="de-CH" sz="1500" dirty="0" smtClean="0"/>
@@ -4485,11 +4471,7 @@
             <a:pPr lvl="1"/>
             <a:r>
               <a:rPr lang="de-DE" sz="1500" dirty="0" smtClean="0"/>
-              <a:t>Overall: </a:t>
-            </a:r>
-            <a:r>
-              <a:rPr lang="de-DE" sz="1500" dirty="0" smtClean="0"/>
-              <a:t>0.68 </a:t>
+              <a:t>Overall: 0.68 </a:t>
             </a:r>
             <a:r>
               <a:rPr lang="de-CH" sz="1500" dirty="0"/>
@@ -4515,11 +4497,7 @@
             <a:pPr lvl="1"/>
             <a:r>
               <a:rPr lang="de-DE" sz="1500" dirty="0" smtClean="0"/>
-              <a:t>B1: </a:t>
-            </a:r>
-            <a:r>
-              <a:rPr lang="de-DE" sz="1500" dirty="0" smtClean="0"/>
-              <a:t>1.27 </a:t>
+              <a:t>B1: 1.27 </a:t>
             </a:r>
             <a:r>
               <a:rPr lang="de-CH" sz="1500" dirty="0"/>
@@ -4529,17 +4507,12 @@
               <a:rPr lang="de-DE" sz="1500" dirty="0" smtClean="0"/>
               <a:t>0.16</a:t>
             </a:r>
-            <a:endParaRPr lang="de-DE" sz="1500" dirty="0" smtClean="0"/>
           </a:p>
           <a:p>
             <a:pPr lvl="1"/>
             <a:r>
               <a:rPr lang="de-DE" sz="1500" dirty="0" smtClean="0"/>
-              <a:t>B2: </a:t>
-            </a:r>
-            <a:r>
-              <a:rPr lang="de-DE" sz="1500" dirty="0" smtClean="0"/>
-              <a:t>1.27 </a:t>
+              <a:t>B2: 1.27 </a:t>
             </a:r>
             <a:r>
               <a:rPr lang="de-CH" sz="1500" dirty="0"/>
@@ -4549,17 +4522,12 @@
               <a:rPr lang="de-DE" sz="1500" dirty="0" smtClean="0"/>
               <a:t>0.14</a:t>
             </a:r>
-            <a:endParaRPr lang="de-DE" sz="1500" dirty="0" smtClean="0"/>
           </a:p>
           <a:p>
             <a:pPr lvl="1"/>
             <a:r>
               <a:rPr lang="de-DE" sz="1500" dirty="0" smtClean="0"/>
-              <a:t>Overall: </a:t>
-            </a:r>
-            <a:r>
-              <a:rPr lang="de-DE" sz="1500" dirty="0" smtClean="0"/>
-              <a:t>1.27 </a:t>
+              <a:t>Overall: 1.27 </a:t>
             </a:r>
             <a:r>
               <a:rPr lang="de-CH" sz="1500" dirty="0"/>
@@ -4667,11 +4635,7 @@
             <a:pPr lvl="1"/>
             <a:r>
               <a:rPr lang="de-CH" sz="1500" dirty="0" smtClean="0"/>
-              <a:t>B1</a:t>
-            </a:r>
-            <a:r>
-              <a:rPr lang="de-CH" sz="1500" dirty="0" smtClean="0"/>
-              <a:t>:  </a:t>
+              <a:t>B1:  </a:t>
             </a:r>
             <a:r>
               <a:rPr lang="de-CH" sz="1500" dirty="0"/>
@@ -4681,7 +4645,6 @@
               <a:rPr lang="de-CH" sz="1500" dirty="0" smtClean="0"/>
               <a:t>0.23</a:t>
             </a:r>
-            <a:endParaRPr lang="de-CH" sz="1500" dirty="0" smtClean="0"/>
           </a:p>
           <a:p>
             <a:pPr lvl="1"/>
@@ -4697,19 +4660,13 @@
               <a:rPr lang="de-CH" sz="1500" dirty="0" smtClean="0"/>
               <a:t>0.11</a:t>
             </a:r>
-            <a:endParaRPr lang="de-CH" sz="1500" dirty="0" smtClean="0"/>
           </a:p>
           <a:p>
             <a:pPr lvl="1"/>
             <a:r>
               <a:rPr lang="de-CH" sz="1500" dirty="0" smtClean="0"/>
-              <a:t>Overall: </a:t>
-            </a:r>
-            <a:r>
-              <a:rPr lang="de-CH" sz="1500" dirty="0" smtClean="0"/>
-              <a:t>0.64 ±  0.19</a:t>
-            </a:r>
-            <a:endParaRPr lang="de-CH" sz="1500" dirty="0" smtClean="0"/>
+              <a:t>Overall: 0.64 ±  0.19</a:t>
+            </a:r>
           </a:p>
           <a:p>
             <a:pPr lvl="0"/>
@@ -4758,17 +4715,12 @@
             <a:pPr lvl="1"/>
             <a:r>
               <a:rPr lang="de-CH" sz="1500" dirty="0" smtClean="0"/>
-              <a:t>Overall: </a:t>
-            </a:r>
-            <a:r>
-              <a:rPr lang="de-CH" sz="1500" dirty="0" smtClean="0"/>
-              <a:t>1.28s ± </a:t>
+              <a:t>Overall: 1.28s ± </a:t>
             </a:r>
             <a:r>
               <a:rPr lang="de-DE" sz="1500" dirty="0" smtClean="0"/>
               <a:t>0.16</a:t>
             </a:r>
-            <a:endParaRPr lang="de-DE" sz="1500" dirty="0" smtClean="0"/>
           </a:p>
           <a:p>
             <a:endParaRPr lang="de-CH" sz="1500" dirty="0"/>
@@ -9439,7 +9391,7 @@
       </p:graphicFrame>
       <p:pic>
         <p:nvPicPr>
-          <p:cNvPr id="3" name="Grafik 2"/>
+          <p:cNvPr id="4" name="Grafik 3"/>
           <p:cNvPicPr>
             <a:picLocks noChangeAspect="1"/>
           </p:cNvPicPr>
@@ -9459,8 +9411,8 @@
         </p:blipFill>
         <p:spPr>
           <a:xfrm>
-            <a:off x="428900" y="1650696"/>
-            <a:ext cx="3470002" cy="3619021"/>
+            <a:off x="299924" y="1650697"/>
+            <a:ext cx="3712832" cy="3872279"/>
           </a:xfrm>
           <a:prstGeom prst="rect">
             <a:avLst/>
@@ -9469,7 +9421,7 @@
       </p:pic>
       <p:pic>
         <p:nvPicPr>
-          <p:cNvPr id="8" name="Grafik 7"/>
+          <p:cNvPr id="5" name="Grafik 4"/>
           <p:cNvPicPr>
             <a:picLocks noChangeAspect="1"/>
           </p:cNvPicPr>
@@ -9489,8 +9441,8 @@
         </p:blipFill>
         <p:spPr>
           <a:xfrm>
-            <a:off x="5867114" y="1690688"/>
-            <a:ext cx="3431659" cy="3579030"/>
+            <a:off x="5497180" y="1690688"/>
+            <a:ext cx="3795650" cy="3958653"/>
           </a:xfrm>
           <a:prstGeom prst="rect">
             <a:avLst/>
@@ -12114,7 +12066,7 @@
       </p:graphicFrame>
       <p:pic>
         <p:nvPicPr>
-          <p:cNvPr id="9" name="Grafik 8"/>
+          <p:cNvPr id="3" name="Grafik 2"/>
           <p:cNvPicPr>
             <a:picLocks noChangeAspect="1"/>
           </p:cNvPicPr>
@@ -12134,8 +12086,8 @@
         </p:blipFill>
         <p:spPr>
           <a:xfrm>
-            <a:off x="6040149" y="1690688"/>
-            <a:ext cx="3553540" cy="3929116"/>
+            <a:off x="553909" y="1580082"/>
+            <a:ext cx="3401784" cy="3547873"/>
           </a:xfrm>
           <a:prstGeom prst="rect">
             <a:avLst/>
@@ -12144,7 +12096,7 @@
       </p:pic>
       <p:pic>
         <p:nvPicPr>
-          <p:cNvPr id="10" name="Grafik 9"/>
+          <p:cNvPr id="6" name="Grafik 5"/>
           <p:cNvPicPr>
             <a:picLocks noChangeAspect="1"/>
           </p:cNvPicPr>
@@ -12164,8 +12116,8 @@
         </p:blipFill>
         <p:spPr>
           <a:xfrm>
-            <a:off x="538645" y="1704975"/>
-            <a:ext cx="3540617" cy="3914829"/>
+            <a:off x="6206148" y="1580082"/>
+            <a:ext cx="3401784" cy="3547873"/>
           </a:xfrm>
           <a:prstGeom prst="rect">
             <a:avLst/>
@@ -14851,7 +14803,7 @@
       </p:sp>
       <p:pic>
         <p:nvPicPr>
-          <p:cNvPr id="3" name="Grafik 2"/>
+          <p:cNvPr id="7" name="Grafik 6"/>
           <p:cNvPicPr>
             <a:picLocks noChangeAspect="1"/>
           </p:cNvPicPr>
@@ -14871,12 +14823,139 @@
         </p:blipFill>
         <p:spPr>
           <a:xfrm>
-            <a:off x="514893" y="1462588"/>
-            <a:ext cx="3569427" cy="3946683"/>
+            <a:off x="392661" y="1468303"/>
+            <a:ext cx="3560397" cy="3713297"/>
           </a:xfrm>
           <a:prstGeom prst="rect">
             <a:avLst/>
           </a:prstGeom>
+        </p:spPr>
+      </p:pic>
+      <p:pic>
+        <p:nvPicPr>
+          <p:cNvPr id="8" name="Grafik 7"/>
+          <p:cNvPicPr>
+            <a:picLocks noChangeAspect="1"/>
+          </p:cNvPicPr>
+          <p:nvPr/>
+        </p:nvPicPr>
+        <p:blipFill>
+          <a:blip r:embed="rId3">
+            <a:extLst>
+              <a:ext uri="{28A0092B-C50C-407E-A947-70E740481C1C}">
+                <a14:useLocalDpi xmlns:a14="http://schemas.microsoft.com/office/drawing/2010/main" val="0"/>
+              </a:ext>
+            </a:extLst>
+          </a:blip>
+          <a:stretch>
+            <a:fillRect/>
+          </a:stretch>
+        </p:blipFill>
+        <p:spPr>
+          <a:xfrm>
+            <a:off x="6188857" y="1468303"/>
+            <a:ext cx="3608344" cy="3763303"/>
+          </a:xfrm>
+          <a:prstGeom prst="rect">
+            <a:avLst/>
+          </a:prstGeom>
+        </p:spPr>
+      </p:pic>
+    </p:spTree>
+    <p:extLst>
+      <p:ext uri="{BB962C8B-B14F-4D97-AF65-F5344CB8AC3E}">
+        <p14:creationId xmlns:p14="http://schemas.microsoft.com/office/powerpoint/2010/main" val="1709223364"/>
+      </p:ext>
+    </p:extLst>
+  </p:cSld>
+  <p:clrMapOvr>
+    <a:masterClrMapping/>
+  </p:clrMapOvr>
+  <p:timing>
+    <p:tnLst>
+      <p:par>
+        <p:cTn id="1" dur="indefinite" restart="never" nodeType="tmRoot"/>
+      </p:par>
+    </p:tnLst>
+  </p:timing>
+</p:sld>
+</file>
+
+<file path=ppt/slides/slide8.xml><?xml version="1.0" encoding="utf-8"?>
+<p:sld xmlns:a="http://schemas.openxmlformats.org/drawingml/2006/main" xmlns:r="http://schemas.openxmlformats.org/officeDocument/2006/relationships" xmlns:p="http://schemas.openxmlformats.org/presentationml/2006/main">
+  <p:cSld>
+    <p:spTree>
+      <p:nvGrpSpPr>
+        <p:cNvPr id="1" name=""/>
+        <p:cNvGrpSpPr/>
+        <p:nvPr/>
+      </p:nvGrpSpPr>
+      <p:grpSpPr>
+        <a:xfrm>
+          <a:off x="0" y="0"/>
+          <a:ext cx="0" cy="0"/>
+          <a:chOff x="0" y="0"/>
+          <a:chExt cx="0" cy="0"/>
+        </a:xfrm>
+      </p:grpSpPr>
+      <p:sp>
+        <p:nvSpPr>
+          <p:cNvPr id="2" name="Titel 1"/>
+          <p:cNvSpPr>
+            <a:spLocks noGrp="1"/>
+          </p:cNvSpPr>
+          <p:nvPr>
+            <p:ph type="title"/>
+          </p:nvPr>
+        </p:nvSpPr>
+        <p:spPr/>
+        <p:txBody>
+          <a:bodyPr/>
+          <a:lstStyle/>
+          <a:p>
+            <a:r>
+              <a:rPr lang="de-DE" dirty="0" err="1" smtClean="0"/>
+              <a:t>Accuracies</a:t>
+            </a:r>
+            <a:r>
+              <a:rPr lang="de-DE" dirty="0" smtClean="0"/>
+              <a:t> per </a:t>
+            </a:r>
+            <a:r>
+              <a:rPr lang="de-DE" dirty="0" err="1" smtClean="0"/>
+              <a:t>stimulus</a:t>
+            </a:r>
+            <a:endParaRPr lang="de-CH" dirty="0"/>
+          </a:p>
+        </p:txBody>
+      </p:sp>
+      <p:pic>
+        <p:nvPicPr>
+          <p:cNvPr id="7" name="Inhaltsplatzhalter 6"/>
+          <p:cNvPicPr>
+            <a:picLocks noGrp="1" noChangeAspect="1"/>
+          </p:cNvPicPr>
+          <p:nvPr>
+            <p:ph idx="1"/>
+          </p:nvPr>
+        </p:nvPicPr>
+        <p:blipFill>
+          <a:blip r:embed="rId2">
+            <a:extLst>
+              <a:ext uri="{28A0092B-C50C-407E-A947-70E740481C1C}">
+                <a14:useLocalDpi xmlns:a14="http://schemas.microsoft.com/office/drawing/2010/main" val="0"/>
+              </a:ext>
+            </a:extLst>
+          </a:blip>
+          <a:stretch>
+            <a:fillRect/>
+          </a:stretch>
+        </p:blipFill>
+        <p:spPr>
+          <a:xfrm>
+            <a:off x="4077549" y="1484836"/>
+            <a:ext cx="3691193" cy="3849711"/>
+          </a:xfrm>
         </p:spPr>
       </p:pic>
       <p:pic>
@@ -14901,8 +14980,38 @@
         </p:blipFill>
         <p:spPr>
           <a:xfrm>
-            <a:off x="6227774" y="1462588"/>
-            <a:ext cx="3569427" cy="3946683"/>
+            <a:off x="7874137" y="1484835"/>
+            <a:ext cx="3691194" cy="3849711"/>
+          </a:xfrm>
+          <a:prstGeom prst="rect">
+            <a:avLst/>
+          </a:prstGeom>
+        </p:spPr>
+      </p:pic>
+      <p:pic>
+        <p:nvPicPr>
+          <p:cNvPr id="10" name="Grafik 9"/>
+          <p:cNvPicPr>
+            <a:picLocks noChangeAspect="1"/>
+          </p:cNvPicPr>
+          <p:nvPr/>
+        </p:nvPicPr>
+        <p:blipFill>
+          <a:blip r:embed="rId4">
+            <a:extLst>
+              <a:ext uri="{28A0092B-C50C-407E-A947-70E740481C1C}">
+                <a14:useLocalDpi xmlns:a14="http://schemas.microsoft.com/office/drawing/2010/main" val="0"/>
+              </a:ext>
+            </a:extLst>
+          </a:blip>
+          <a:stretch>
+            <a:fillRect/>
+          </a:stretch>
+        </p:blipFill>
+        <p:spPr>
+          <a:xfrm>
+            <a:off x="386355" y="1484834"/>
+            <a:ext cx="3691194" cy="3849711"/>
           </a:xfrm>
           <a:prstGeom prst="rect">
             <a:avLst/>
@@ -14912,20 +15021,330 @@
     </p:spTree>
     <p:extLst>
       <p:ext uri="{BB962C8B-B14F-4D97-AF65-F5344CB8AC3E}">
-        <p14:creationId xmlns:p14="http://schemas.microsoft.com/office/powerpoint/2010/main" val="1709223364"/>
+        <p14:creationId xmlns:p14="http://schemas.microsoft.com/office/powerpoint/2010/main" val="577282666"/>
       </p:ext>
     </p:extLst>
   </p:cSld>
   <p:clrMapOvr>
     <a:masterClrMapping/>
   </p:clrMapOvr>
-  <p:timing>
-    <p:tnLst>
-      <p:par>
-        <p:cTn id="1" dur="indefinite" restart="never" nodeType="tmRoot"/>
-      </p:par>
-    </p:tnLst>
-  </p:timing>
+</p:sld>
+</file>
+
+<file path=ppt/slides/slide9.xml><?xml version="1.0" encoding="utf-8"?>
+<p:sld xmlns:a="http://schemas.openxmlformats.org/drawingml/2006/main" xmlns:r="http://schemas.openxmlformats.org/officeDocument/2006/relationships" xmlns:p="http://schemas.openxmlformats.org/presentationml/2006/main">
+  <p:cSld>
+    <p:spTree>
+      <p:nvGrpSpPr>
+        <p:cNvPr id="1" name=""/>
+        <p:cNvGrpSpPr/>
+        <p:nvPr/>
+      </p:nvGrpSpPr>
+      <p:grpSpPr>
+        <a:xfrm>
+          <a:off x="0" y="0"/>
+          <a:ext cx="0" cy="0"/>
+          <a:chOff x="0" y="0"/>
+          <a:chExt cx="0" cy="0"/>
+        </a:xfrm>
+      </p:grpSpPr>
+      <p:sp>
+        <p:nvSpPr>
+          <p:cNvPr id="2" name="Titel 1"/>
+          <p:cNvSpPr>
+            <a:spLocks noGrp="1"/>
+          </p:cNvSpPr>
+          <p:nvPr>
+            <p:ph type="title"/>
+          </p:nvPr>
+        </p:nvSpPr>
+        <p:spPr/>
+        <p:txBody>
+          <a:bodyPr/>
+          <a:lstStyle/>
+          <a:p>
+            <a:r>
+              <a:rPr lang="de-DE" dirty="0" smtClean="0"/>
+              <a:t>Model </a:t>
+            </a:r>
+            <a:r>
+              <a:rPr lang="de-DE" dirty="0" err="1" smtClean="0"/>
+              <a:t>fitted</a:t>
+            </a:r>
+            <a:r>
+              <a:rPr lang="de-DE" dirty="0" smtClean="0"/>
+              <a:t> </a:t>
+            </a:r>
+            <a:r>
+              <a:rPr lang="de-DE" dirty="0" err="1" smtClean="0"/>
+              <a:t>for</a:t>
+            </a:r>
+            <a:r>
+              <a:rPr lang="de-DE" dirty="0" smtClean="0"/>
+              <a:t> 2x4</a:t>
+            </a:r>
+            <a:endParaRPr lang="de-CH" dirty="0"/>
+          </a:p>
+        </p:txBody>
+      </p:sp>
+      <p:pic>
+        <p:nvPicPr>
+          <p:cNvPr id="4" name="Inhaltsplatzhalter 3"/>
+          <p:cNvPicPr>
+            <a:picLocks noGrp="1" noChangeAspect="1"/>
+          </p:cNvPicPr>
+          <p:nvPr>
+            <p:ph idx="1"/>
+          </p:nvPr>
+        </p:nvPicPr>
+        <p:blipFill>
+          <a:blip r:embed="rId2"/>
+          <a:stretch>
+            <a:fillRect/>
+          </a:stretch>
+        </p:blipFill>
+        <p:spPr>
+          <a:xfrm>
+            <a:off x="975959" y="1598854"/>
+            <a:ext cx="5271222" cy="2570434"/>
+          </a:xfrm>
+          <a:prstGeom prst="rect">
+            <a:avLst/>
+          </a:prstGeom>
+        </p:spPr>
+      </p:pic>
+      <p:sp>
+        <p:nvSpPr>
+          <p:cNvPr id="5" name="Ellipse 4"/>
+          <p:cNvSpPr/>
+          <p:nvPr/>
+        </p:nvSpPr>
+        <p:spPr>
+          <a:xfrm>
+            <a:off x="5815582" y="1427341"/>
+            <a:ext cx="687629" cy="526694"/>
+          </a:xfrm>
+          <a:prstGeom prst="ellipse">
+            <a:avLst/>
+          </a:prstGeom>
+          <a:noFill/>
+          <a:ln>
+            <a:solidFill>
+              <a:schemeClr val="accent2">
+                <a:lumMod val="75000"/>
+              </a:schemeClr>
+            </a:solidFill>
+          </a:ln>
+        </p:spPr>
+        <p:style>
+          <a:lnRef idx="2">
+            <a:schemeClr val="accent1">
+              <a:shade val="50000"/>
+            </a:schemeClr>
+          </a:lnRef>
+          <a:fillRef idx="1">
+            <a:schemeClr val="accent1"/>
+          </a:fillRef>
+          <a:effectRef idx="0">
+            <a:schemeClr val="accent1"/>
+          </a:effectRef>
+          <a:fontRef idx="minor">
+            <a:schemeClr val="lt1"/>
+          </a:fontRef>
+        </p:style>
+        <p:txBody>
+          <a:bodyPr rtlCol="0" anchor="ctr"/>
+          <a:lstStyle/>
+          <a:p>
+            <a:pPr algn="ctr"/>
+            <a:endParaRPr lang="de-CH"/>
+          </a:p>
+        </p:txBody>
+      </p:sp>
+      <p:sp>
+        <p:nvSpPr>
+          <p:cNvPr id="6" name="Textfeld 5"/>
+          <p:cNvSpPr txBox="1"/>
+          <p:nvPr/>
+        </p:nvSpPr>
+        <p:spPr>
+          <a:xfrm>
+            <a:off x="6693408" y="1610310"/>
+            <a:ext cx="3101645" cy="1200329"/>
+          </a:xfrm>
+          <a:prstGeom prst="rect">
+            <a:avLst/>
+          </a:prstGeom>
+          <a:noFill/>
+        </p:spPr>
+        <p:txBody>
+          <a:bodyPr wrap="square" rtlCol="0">
+            <a:spAutoFit/>
+          </a:bodyPr>
+          <a:lstStyle/>
+          <a:p>
+            <a:pPr marL="285750" indent="-285750">
+              <a:buFont typeface="Arial" panose="020B0604020202020204" pitchFamily="34" charset="0"/>
+              <a:buChar char="•"/>
+            </a:pPr>
+            <a:r>
+              <a:rPr lang="de-DE" dirty="0" err="1" smtClean="0"/>
+              <a:t>Rhat</a:t>
+            </a:r>
+            <a:r>
+              <a:rPr lang="de-DE" dirty="0" smtClean="0"/>
+              <a:t>: </a:t>
+            </a:r>
+            <a:r>
+              <a:rPr lang="en-US" dirty="0"/>
+              <a:t>degree of convergence of a random Markov </a:t>
+            </a:r>
+            <a:r>
+              <a:rPr lang="en-US" dirty="0" smtClean="0"/>
+              <a:t>Chain</a:t>
+            </a:r>
+          </a:p>
+          <a:p>
+            <a:pPr marL="285750" indent="-285750">
+              <a:buFont typeface="Arial" panose="020B0604020202020204" pitchFamily="34" charset="0"/>
+              <a:buChar char="•"/>
+            </a:pPr>
+            <a:r>
+              <a:rPr lang="de-DE" dirty="0" err="1" smtClean="0"/>
+              <a:t>Convergence</a:t>
+            </a:r>
+            <a:r>
+              <a:rPr lang="de-DE" dirty="0" smtClean="0"/>
+              <a:t> </a:t>
+            </a:r>
+            <a:r>
+              <a:rPr lang="de-DE" dirty="0" err="1" smtClean="0"/>
+              <a:t>if</a:t>
+            </a:r>
+            <a:r>
+              <a:rPr lang="de-DE" dirty="0" smtClean="0"/>
+              <a:t> </a:t>
+            </a:r>
+            <a:r>
+              <a:rPr lang="de-DE" dirty="0" err="1" smtClean="0"/>
+              <a:t>Rhat</a:t>
+            </a:r>
+            <a:r>
+              <a:rPr lang="de-DE" dirty="0" smtClean="0"/>
+              <a:t> &lt; 1.05</a:t>
+            </a:r>
+          </a:p>
+        </p:txBody>
+      </p:sp>
+      <p:pic>
+        <p:nvPicPr>
+          <p:cNvPr id="7" name="Grafik 6"/>
+          <p:cNvPicPr>
+            <a:picLocks noChangeAspect="1"/>
+          </p:cNvPicPr>
+          <p:nvPr/>
+        </p:nvPicPr>
+        <p:blipFill>
+          <a:blip r:embed="rId3"/>
+          <a:stretch>
+            <a:fillRect/>
+          </a:stretch>
+        </p:blipFill>
+        <p:spPr>
+          <a:xfrm>
+            <a:off x="975959" y="4264411"/>
+            <a:ext cx="4582363" cy="2277211"/>
+          </a:xfrm>
+          <a:prstGeom prst="rect">
+            <a:avLst/>
+          </a:prstGeom>
+        </p:spPr>
+      </p:pic>
+      <p:sp>
+        <p:nvSpPr>
+          <p:cNvPr id="8" name="Textfeld 7"/>
+          <p:cNvSpPr txBox="1"/>
+          <p:nvPr/>
+        </p:nvSpPr>
+        <p:spPr>
+          <a:xfrm>
+            <a:off x="6845808" y="4202687"/>
+            <a:ext cx="3101645" cy="1200329"/>
+          </a:xfrm>
+          <a:prstGeom prst="rect">
+            <a:avLst/>
+          </a:prstGeom>
+          <a:noFill/>
+        </p:spPr>
+        <p:txBody>
+          <a:bodyPr wrap="square" rtlCol="0">
+            <a:spAutoFit/>
+          </a:bodyPr>
+          <a:lstStyle/>
+          <a:p>
+            <a:pPr marL="285750" indent="-285750">
+              <a:buFont typeface="Arial" panose="020B0604020202020204" pitchFamily="34" charset="0"/>
+              <a:buChar char="•"/>
+            </a:pPr>
+            <a:r>
+              <a:rPr lang="de-DE" dirty="0" err="1" smtClean="0"/>
+              <a:t>Rhat</a:t>
+            </a:r>
+            <a:r>
+              <a:rPr lang="de-DE" dirty="0" smtClean="0"/>
+              <a:t>: </a:t>
+            </a:r>
+            <a:r>
+              <a:rPr lang="en-US" dirty="0"/>
+              <a:t>degree of convergence of a random Markov </a:t>
+            </a:r>
+            <a:r>
+              <a:rPr lang="en-US" dirty="0" smtClean="0"/>
+              <a:t>Chain</a:t>
+            </a:r>
+          </a:p>
+          <a:p>
+            <a:pPr marL="285750" indent="-285750">
+              <a:buFont typeface="Arial" panose="020B0604020202020204" pitchFamily="34" charset="0"/>
+              <a:buChar char="•"/>
+            </a:pPr>
+            <a:r>
+              <a:rPr lang="de-DE" dirty="0" err="1" smtClean="0"/>
+              <a:t>Convergence</a:t>
+            </a:r>
+            <a:r>
+              <a:rPr lang="de-DE" dirty="0" smtClean="0"/>
+              <a:t> </a:t>
+            </a:r>
+            <a:r>
+              <a:rPr lang="de-DE" dirty="0" err="1" smtClean="0"/>
+              <a:t>if</a:t>
+            </a:r>
+            <a:r>
+              <a:rPr lang="de-DE" dirty="0" smtClean="0"/>
+              <a:t> </a:t>
+            </a:r>
+            <a:r>
+              <a:rPr lang="de-DE" dirty="0" err="1" smtClean="0"/>
+              <a:t>Rhat</a:t>
+            </a:r>
+            <a:r>
+              <a:rPr lang="de-DE" dirty="0" smtClean="0"/>
+              <a:t> &lt; 1.05</a:t>
+            </a:r>
+          </a:p>
+        </p:txBody>
+      </p:sp>
+    </p:spTree>
+    <p:extLst>
+      <p:ext uri="{BB962C8B-B14F-4D97-AF65-F5344CB8AC3E}">
+        <p14:creationId xmlns:p14="http://schemas.microsoft.com/office/powerpoint/2010/main" val="3444796829"/>
+      </p:ext>
+    </p:extLst>
+  </p:cSld>
+  <p:clrMapOvr>
+    <a:masterClrMapping/>
+  </p:clrMapOvr>
 </p:sld>
 </file>
 

--- a/data/piloting/piloting_kloten/overview_kloten.pptx
+++ b/data/piloting/piloting_kloten/overview_kloten.pptx
@@ -205,7 +205,7 @@
           <a:p>
             <a:fld id="{5F78C8DE-95F4-4CCE-8818-E6D3DDC2046D}" type="datetimeFigureOut">
               <a:rPr lang="de-CH" smtClean="0"/>
-              <a:t>11.07.2019</a:t>
+              <a:t>20.09.2019</a:t>
             </a:fld>
             <a:endParaRPr lang="de-CH"/>
           </a:p>
@@ -688,7 +688,7 @@
           <a:p>
             <a:fld id="{91852DE1-179E-4D15-943F-B5AC425B8136}" type="datetimeFigureOut">
               <a:rPr lang="de-CH" smtClean="0"/>
-              <a:t>11.07.2019</a:t>
+              <a:t>20.09.2019</a:t>
             </a:fld>
             <a:endParaRPr lang="de-CH"/>
           </a:p>
@@ -858,7 +858,7 @@
           <a:p>
             <a:fld id="{91852DE1-179E-4D15-943F-B5AC425B8136}" type="datetimeFigureOut">
               <a:rPr lang="de-CH" smtClean="0"/>
-              <a:t>11.07.2019</a:t>
+              <a:t>20.09.2019</a:t>
             </a:fld>
             <a:endParaRPr lang="de-CH"/>
           </a:p>
@@ -1038,7 +1038,7 @@
           <a:p>
             <a:fld id="{91852DE1-179E-4D15-943F-B5AC425B8136}" type="datetimeFigureOut">
               <a:rPr lang="de-CH" smtClean="0"/>
-              <a:t>11.07.2019</a:t>
+              <a:t>20.09.2019</a:t>
             </a:fld>
             <a:endParaRPr lang="de-CH"/>
           </a:p>
@@ -1208,7 +1208,7 @@
           <a:p>
             <a:fld id="{91852DE1-179E-4D15-943F-B5AC425B8136}" type="datetimeFigureOut">
               <a:rPr lang="de-CH" smtClean="0"/>
-              <a:t>11.07.2019</a:t>
+              <a:t>20.09.2019</a:t>
             </a:fld>
             <a:endParaRPr lang="de-CH"/>
           </a:p>
@@ -1454,7 +1454,7 @@
           <a:p>
             <a:fld id="{91852DE1-179E-4D15-943F-B5AC425B8136}" type="datetimeFigureOut">
               <a:rPr lang="de-CH" smtClean="0"/>
-              <a:t>11.07.2019</a:t>
+              <a:t>20.09.2019</a:t>
             </a:fld>
             <a:endParaRPr lang="de-CH"/>
           </a:p>
@@ -1686,7 +1686,7 @@
           <a:p>
             <a:fld id="{91852DE1-179E-4D15-943F-B5AC425B8136}" type="datetimeFigureOut">
               <a:rPr lang="de-CH" smtClean="0"/>
-              <a:t>11.07.2019</a:t>
+              <a:t>20.09.2019</a:t>
             </a:fld>
             <a:endParaRPr lang="de-CH"/>
           </a:p>
@@ -2053,7 +2053,7 @@
           <a:p>
             <a:fld id="{91852DE1-179E-4D15-943F-B5AC425B8136}" type="datetimeFigureOut">
               <a:rPr lang="de-CH" smtClean="0"/>
-              <a:t>11.07.2019</a:t>
+              <a:t>20.09.2019</a:t>
             </a:fld>
             <a:endParaRPr lang="de-CH"/>
           </a:p>
@@ -2171,7 +2171,7 @@
           <a:p>
             <a:fld id="{91852DE1-179E-4D15-943F-B5AC425B8136}" type="datetimeFigureOut">
               <a:rPr lang="de-CH" smtClean="0"/>
-              <a:t>11.07.2019</a:t>
+              <a:t>20.09.2019</a:t>
             </a:fld>
             <a:endParaRPr lang="de-CH"/>
           </a:p>
@@ -2266,7 +2266,7 @@
           <a:p>
             <a:fld id="{91852DE1-179E-4D15-943F-B5AC425B8136}" type="datetimeFigureOut">
               <a:rPr lang="de-CH" smtClean="0"/>
-              <a:t>11.07.2019</a:t>
+              <a:t>20.09.2019</a:t>
             </a:fld>
             <a:endParaRPr lang="de-CH"/>
           </a:p>
@@ -2543,7 +2543,7 @@
           <a:p>
             <a:fld id="{91852DE1-179E-4D15-943F-B5AC425B8136}" type="datetimeFigureOut">
               <a:rPr lang="de-CH" smtClean="0"/>
-              <a:t>11.07.2019</a:t>
+              <a:t>20.09.2019</a:t>
             </a:fld>
             <a:endParaRPr lang="de-CH"/>
           </a:p>
@@ -2796,7 +2796,7 @@
           <a:p>
             <a:fld id="{91852DE1-179E-4D15-943F-B5AC425B8136}" type="datetimeFigureOut">
               <a:rPr lang="de-CH" smtClean="0"/>
-              <a:t>11.07.2019</a:t>
+              <a:t>20.09.2019</a:t>
             </a:fld>
             <a:endParaRPr lang="de-CH"/>
           </a:p>
@@ -3009,7 +3009,7 @@
           <a:p>
             <a:fld id="{91852DE1-179E-4D15-943F-B5AC425B8136}" type="datetimeFigureOut">
               <a:rPr lang="de-CH" smtClean="0"/>
-              <a:t>11.07.2019</a:t>
+              <a:t>20.09.2019</a:t>
             </a:fld>
             <a:endParaRPr lang="de-CH"/>
           </a:p>
@@ -9534,7 +9534,7 @@
         </p:nvGraphicFramePr>
         <p:xfrm>
           <a:off x="4079263" y="1712914"/>
-          <a:ext cx="1842594" cy="2697027"/>
+          <a:ext cx="1842594" cy="2698021"/>
         </p:xfrm>
         <a:graphic>
           <a:graphicData uri="http://schemas.openxmlformats.org/drawingml/2006/table">
@@ -15260,81 +15260,6 @@
           </a:prstGeom>
         </p:spPr>
       </p:pic>
-      <p:sp>
-        <p:nvSpPr>
-          <p:cNvPr id="8" name="Textfeld 7"/>
-          <p:cNvSpPr txBox="1"/>
-          <p:nvPr/>
-        </p:nvSpPr>
-        <p:spPr>
-          <a:xfrm>
-            <a:off x="6845808" y="4202687"/>
-            <a:ext cx="3101645" cy="1200329"/>
-          </a:xfrm>
-          <a:prstGeom prst="rect">
-            <a:avLst/>
-          </a:prstGeom>
-          <a:noFill/>
-        </p:spPr>
-        <p:txBody>
-          <a:bodyPr wrap="square" rtlCol="0">
-            <a:spAutoFit/>
-          </a:bodyPr>
-          <a:lstStyle/>
-          <a:p>
-            <a:pPr marL="285750" indent="-285750">
-              <a:buFont typeface="Arial" panose="020B0604020202020204" pitchFamily="34" charset="0"/>
-              <a:buChar char="•"/>
-            </a:pPr>
-            <a:r>
-              <a:rPr lang="de-DE" dirty="0" err="1" smtClean="0"/>
-              <a:t>Rhat</a:t>
-            </a:r>
-            <a:r>
-              <a:rPr lang="de-DE" dirty="0" smtClean="0"/>
-              <a:t>: </a:t>
-            </a:r>
-            <a:r>
-              <a:rPr lang="en-US" dirty="0"/>
-              <a:t>degree of convergence of a random Markov </a:t>
-            </a:r>
-            <a:r>
-              <a:rPr lang="en-US" dirty="0" smtClean="0"/>
-              <a:t>Chain</a:t>
-            </a:r>
-          </a:p>
-          <a:p>
-            <a:pPr marL="285750" indent="-285750">
-              <a:buFont typeface="Arial" panose="020B0604020202020204" pitchFamily="34" charset="0"/>
-              <a:buChar char="•"/>
-            </a:pPr>
-            <a:r>
-              <a:rPr lang="de-DE" dirty="0" err="1" smtClean="0"/>
-              <a:t>Convergence</a:t>
-            </a:r>
-            <a:r>
-              <a:rPr lang="de-DE" dirty="0" smtClean="0"/>
-              <a:t> </a:t>
-            </a:r>
-            <a:r>
-              <a:rPr lang="de-DE" dirty="0" err="1" smtClean="0"/>
-              <a:t>if</a:t>
-            </a:r>
-            <a:r>
-              <a:rPr lang="de-DE" dirty="0" smtClean="0"/>
-              <a:t> </a:t>
-            </a:r>
-            <a:r>
-              <a:rPr lang="de-DE" dirty="0" err="1" smtClean="0"/>
-              <a:t>Rhat</a:t>
-            </a:r>
-            <a:r>
-              <a:rPr lang="de-DE" dirty="0" smtClean="0"/>
-              <a:t> &lt; 1.05</a:t>
-            </a:r>
-          </a:p>
-        </p:txBody>
-      </p:sp>
     </p:spTree>
     <p:extLst>
       <p:ext uri="{BB962C8B-B14F-4D97-AF65-F5344CB8AC3E}">
